--- a/reference_material/slides/005_file_access.pptx
+++ b/reference_material/slides/005_file_access.pptx
@@ -9,12 +9,21 @@
     <p:sldId id="268" r:id="rId3"/>
     <p:sldId id="256" r:id="rId4"/>
     <p:sldId id="257" r:id="rId5"/>
-    <p:sldId id="258" r:id="rId6"/>
-    <p:sldId id="260" r:id="rId7"/>
-    <p:sldId id="261" r:id="rId8"/>
-    <p:sldId id="264" r:id="rId9"/>
-    <p:sldId id="265" r:id="rId10"/>
-    <p:sldId id="266" r:id="rId11"/>
+    <p:sldId id="272" r:id="rId6"/>
+    <p:sldId id="258" r:id="rId7"/>
+    <p:sldId id="260" r:id="rId8"/>
+    <p:sldId id="273" r:id="rId9"/>
+    <p:sldId id="274" r:id="rId10"/>
+    <p:sldId id="275" r:id="rId11"/>
+    <p:sldId id="276" r:id="rId12"/>
+    <p:sldId id="269" r:id="rId13"/>
+    <p:sldId id="270" r:id="rId14"/>
+    <p:sldId id="261" r:id="rId15"/>
+    <p:sldId id="264" r:id="rId16"/>
+    <p:sldId id="277" r:id="rId17"/>
+    <p:sldId id="265" r:id="rId18"/>
+    <p:sldId id="266" r:id="rId19"/>
+    <p:sldId id="271" r:id="rId20"/>
   </p:sldIdLst>
   <p:sldSz cx="12192000" cy="6858000"/>
   <p:notesSz cx="6858000" cy="9144000"/>
@@ -260,7 +269,7 @@
           <a:p>
             <a:fld id="{04F7A838-9F02-4148-91BE-CF9CE23B2A6F}" type="datetimeFigureOut">
               <a:rPr lang="en-US" smtClean="0"/>
-              <a:t>9/14/23</a:t>
+              <a:t>9/17/24</a:t>
             </a:fld>
             <a:endParaRPr lang="en-US"/>
           </a:p>
@@ -471,7 +480,7 @@
           <a:p>
             <a:fld id="{04F7A838-9F02-4148-91BE-CF9CE23B2A6F}" type="datetimeFigureOut">
               <a:rPr lang="en-US" smtClean="0"/>
-              <a:t>9/14/23</a:t>
+              <a:t>9/17/24</a:t>
             </a:fld>
             <a:endParaRPr lang="en-US"/>
           </a:p>
@@ -686,7 +695,7 @@
           <a:p>
             <a:fld id="{04F7A838-9F02-4148-91BE-CF9CE23B2A6F}" type="datetimeFigureOut">
               <a:rPr lang="en-US" smtClean="0"/>
-              <a:t>9/14/23</a:t>
+              <a:t>9/17/24</a:t>
             </a:fld>
             <a:endParaRPr lang="en-US"/>
           </a:p>
@@ -887,7 +896,7 @@
           <a:p>
             <a:fld id="{04F7A838-9F02-4148-91BE-CF9CE23B2A6F}" type="datetimeFigureOut">
               <a:rPr lang="en-US" smtClean="0"/>
-              <a:t>9/14/23</a:t>
+              <a:t>9/17/24</a:t>
             </a:fld>
             <a:endParaRPr lang="en-US"/>
           </a:p>
@@ -1166,7 +1175,7 @@
           <a:p>
             <a:fld id="{04F7A838-9F02-4148-91BE-CF9CE23B2A6F}" type="datetimeFigureOut">
               <a:rPr lang="en-US" smtClean="0"/>
-              <a:t>9/14/23</a:t>
+              <a:t>9/17/24</a:t>
             </a:fld>
             <a:endParaRPr lang="en-US"/>
           </a:p>
@@ -1434,7 +1443,7 @@
           <a:p>
             <a:fld id="{04F7A838-9F02-4148-91BE-CF9CE23B2A6F}" type="datetimeFigureOut">
               <a:rPr lang="en-US" smtClean="0"/>
-              <a:t>9/14/23</a:t>
+              <a:t>9/17/24</a:t>
             </a:fld>
             <a:endParaRPr lang="en-US"/>
           </a:p>
@@ -1850,7 +1859,7 @@
           <a:p>
             <a:fld id="{04F7A838-9F02-4148-91BE-CF9CE23B2A6F}" type="datetimeFigureOut">
               <a:rPr lang="en-US" smtClean="0"/>
-              <a:t>9/14/23</a:t>
+              <a:t>9/17/24</a:t>
             </a:fld>
             <a:endParaRPr lang="en-US"/>
           </a:p>
@@ -1999,7 +2008,7 @@
           <a:p>
             <a:fld id="{04F7A838-9F02-4148-91BE-CF9CE23B2A6F}" type="datetimeFigureOut">
               <a:rPr lang="en-US" smtClean="0"/>
-              <a:t>9/14/23</a:t>
+              <a:t>9/17/24</a:t>
             </a:fld>
             <a:endParaRPr lang="en-US"/>
           </a:p>
@@ -2125,7 +2134,7 @@
           <a:p>
             <a:fld id="{04F7A838-9F02-4148-91BE-CF9CE23B2A6F}" type="datetimeFigureOut">
               <a:rPr lang="en-US" smtClean="0"/>
-              <a:t>9/14/23</a:t>
+              <a:t>9/17/24</a:t>
             </a:fld>
             <a:endParaRPr lang="en-US"/>
           </a:p>
@@ -2376,7 +2385,7 @@
           <a:p>
             <a:fld id="{04F7A838-9F02-4148-91BE-CF9CE23B2A6F}" type="datetimeFigureOut">
               <a:rPr lang="en-US" smtClean="0"/>
-              <a:t>9/14/23</a:t>
+              <a:t>9/17/24</a:t>
             </a:fld>
             <a:endParaRPr lang="en-US"/>
           </a:p>
@@ -2821,7 +2830,7 @@
           <a:p>
             <a:fld id="{04F7A838-9F02-4148-91BE-CF9CE23B2A6F}" type="datetimeFigureOut">
               <a:rPr lang="en-US" smtClean="0"/>
-              <a:t>9/14/23</a:t>
+              <a:t>9/17/24</a:t>
             </a:fld>
             <a:endParaRPr lang="en-US"/>
           </a:p>
@@ -3148,7 +3157,7 @@
           <a:p>
             <a:fld id="{04F7A838-9F02-4148-91BE-CF9CE23B2A6F}" type="datetimeFigureOut">
               <a:rPr lang="en-US" smtClean="0"/>
-              <a:t>9/14/23</a:t>
+              <a:t>9/17/24</a:t>
             </a:fld>
             <a:endParaRPr lang="en-US"/>
           </a:p>
@@ -3678,14 +3687,19 @@
             <p:ph idx="1"/>
           </p:nvPr>
         </p:nvSpPr>
-        <p:spPr/>
+        <p:spPr>
+          <a:xfrm>
+            <a:off x="1451579" y="1926566"/>
+            <a:ext cx="9603275" cy="3539779"/>
+          </a:xfrm>
+        </p:spPr>
         <p:txBody>
           <a:bodyPr/>
           <a:lstStyle/>
           <a:p>
             <a:r>
               <a:rPr lang="en-US" dirty="0"/>
-              <a:t>Today: </a:t>
+              <a:t>Today (P4E ch7): </a:t>
             </a:r>
           </a:p>
           <a:p>
@@ -3700,7 +3714,21 @@
             </a:r>
             <a:r>
               <a:rPr lang="en-US" dirty="0"/>
-              <a:t>. </a:t>
+              <a:t>. (Workbooks 5-dataframes &amp; 16-os file access)</a:t>
+            </a:r>
+          </a:p>
+          <a:p>
+            <a:pPr lvl="2"/>
+            <a:r>
+              <a:rPr lang="en-US" dirty="0"/>
+              <a:t>This stuff is easy – minimal concepts, mostly just a tool. </a:t>
+            </a:r>
+          </a:p>
+          <a:p>
+            <a:pPr lvl="2"/>
+            <a:r>
+              <a:rPr lang="en-US" dirty="0"/>
+              <a:t>Need it/is useful for other stuff all over the place, so we’ll do it pretty early. </a:t>
             </a:r>
           </a:p>
           <a:p>
@@ -3714,25 +3742,13 @@
             <a:pPr lvl="1"/>
             <a:r>
               <a:rPr lang="en-US" dirty="0"/>
-              <a:t>Work/</a:t>
-            </a:r>
-            <a:r>
-              <a:rPr lang="en-US"/>
-              <a:t>question time (lab 1). </a:t>
-            </a:r>
-            <a:endParaRPr lang="en-US" dirty="0"/>
+              <a:t>Work/question time (lab 1). </a:t>
+            </a:r>
           </a:p>
           <a:p>
             <a:r>
               <a:rPr lang="en-US" dirty="0"/>
               <a:t>Notes:</a:t>
-            </a:r>
-          </a:p>
-          <a:p>
-            <a:pPr lvl="1"/>
-            <a:r>
-              <a:rPr lang="en-US" dirty="0"/>
-              <a:t>There’s a few quizzes on Moodle, those are formative, or practice. </a:t>
             </a:r>
           </a:p>
         </p:txBody>
@@ -3772,7 +3788,7 @@
           <p:cNvPr id="2" name="Title 1">
             <a:extLst>
               <a:ext uri="{FF2B5EF4-FFF2-40B4-BE49-F238E27FC236}">
-                <a16:creationId xmlns:a16="http://schemas.microsoft.com/office/drawing/2014/main" id="{9F7353FF-ABB8-329B-4F91-425557C29FF4}"/>
+                <a16:creationId xmlns:a16="http://schemas.microsoft.com/office/drawing/2014/main" id="{9E1B2EDE-F27B-A592-A4B9-53D61A094945}"/>
               </a:ext>
             </a:extLst>
           </p:cNvPr>
@@ -3788,15 +3804,7 @@
           <a:bodyPr/>
           <a:lstStyle/>
           <a:p>
-            <a:r>
-              <a:rPr lang="en-US" dirty="0"/>
-              <a:t>Manipulating </a:t>
-            </a:r>
-            <a:r>
-              <a:rPr lang="en-US" dirty="0" err="1"/>
-              <a:t>Dataframes</a:t>
-            </a:r>
-            <a:endParaRPr lang="en-US" dirty="0"/>
+            <a:endParaRPr lang="en-US"/>
           </a:p>
         </p:txBody>
       </p:sp>
@@ -3805,7 +3813,7 @@
           <p:cNvPr id="3" name="Content Placeholder 2">
             <a:extLst>
               <a:ext uri="{FF2B5EF4-FFF2-40B4-BE49-F238E27FC236}">
-                <a16:creationId xmlns:a16="http://schemas.microsoft.com/office/drawing/2014/main" id="{B8EECA3A-8064-D6E2-2964-F943873B6385}"/>
+                <a16:creationId xmlns:a16="http://schemas.microsoft.com/office/drawing/2014/main" id="{DA3E0D4E-2731-26BC-8F6A-C5DBB0389924}"/>
               </a:ext>
             </a:extLst>
           </p:cNvPr>
@@ -3816,53 +3824,66 @@
             <p:ph idx="1"/>
           </p:nvPr>
         </p:nvSpPr>
-        <p:spPr>
-          <a:xfrm>
-            <a:off x="1103243" y="2015732"/>
-            <a:ext cx="9951611" cy="3450613"/>
-          </a:xfrm>
-        </p:spPr>
+        <p:spPr/>
         <p:txBody>
           <a:bodyPr/>
           <a:lstStyle/>
           <a:p>
-            <a:r>
-              <a:rPr lang="en-US" dirty="0"/>
-              <a:t>We’ll look at this in code, it is much easier. </a:t>
-            </a:r>
-          </a:p>
-          <a:p>
-            <a:r>
-              <a:rPr lang="en-US" dirty="0"/>
-              <a:t>We can select which columns or rows we want by specifying some selection criteria. </a:t>
-            </a:r>
-          </a:p>
-          <a:p>
-            <a:r>
-              <a:rPr lang="en-US" dirty="0"/>
-              <a:t>We can get some information about the </a:t>
-            </a:r>
-            <a:r>
-              <a:rPr lang="en-US" dirty="0" err="1"/>
-              <a:t>dataframe</a:t>
-            </a:r>
-            <a:r>
-              <a:rPr lang="en-US" dirty="0"/>
-              <a:t> using its methods – describe, info, shape.</a:t>
-            </a:r>
-          </a:p>
-          <a:p>
-            <a:r>
-              <a:rPr lang="en-US" dirty="0"/>
-              <a:t>We can do calculations (grouping and aggregation) using functions to group the data and calculate results, like a nerdier Excel filter. </a:t>
-            </a:r>
-          </a:p>
-        </p:txBody>
-      </p:sp>
+            <a:endParaRPr lang="en-US"/>
+          </a:p>
+        </p:txBody>
+      </p:sp>
+      <p:pic>
+        <p:nvPicPr>
+          <p:cNvPr id="3074" name="Picture 2" descr="Reading Files in Python – PYnative">
+            <a:extLst>
+              <a:ext uri="{FF2B5EF4-FFF2-40B4-BE49-F238E27FC236}">
+                <a16:creationId xmlns:a16="http://schemas.microsoft.com/office/drawing/2014/main" id="{F0C3469A-B992-CAC0-2B81-A6F6BE251BCE}"/>
+              </a:ext>
+            </a:extLst>
+          </p:cNvPr>
+          <p:cNvPicPr>
+            <a:picLocks noChangeAspect="1" noChangeArrowheads="1"/>
+          </p:cNvPicPr>
+          <p:nvPr/>
+        </p:nvPicPr>
+        <p:blipFill>
+          <a:blip r:embed="rId2">
+            <a:extLst>
+              <a:ext uri="{28A0092B-C50C-407E-A947-70E740481C1C}">
+                <a14:useLocalDpi xmlns:a14="http://schemas.microsoft.com/office/drawing/2010/main" val="0"/>
+              </a:ext>
+            </a:extLst>
+          </a:blip>
+          <a:srcRect/>
+          <a:stretch>
+            <a:fillRect/>
+          </a:stretch>
+        </p:blipFill>
+        <p:spPr bwMode="auto">
+          <a:xfrm>
+            <a:off x="0" y="241300"/>
+            <a:ext cx="12192000" cy="6373813"/>
+          </a:xfrm>
+          <a:prstGeom prst="rect">
+            <a:avLst/>
+          </a:prstGeom>
+          <a:noFill/>
+          <a:extLst>
+            <a:ext uri="{909E8E84-426E-40DD-AFC4-6F175D3DCCD1}">
+              <a14:hiddenFill xmlns:a14="http://schemas.microsoft.com/office/drawing/2010/main">
+                <a:solidFill>
+                  <a:srgbClr val="FFFFFF"/>
+                </a:solidFill>
+              </a14:hiddenFill>
+            </a:ext>
+          </a:extLst>
+        </p:spPr>
+      </p:pic>
     </p:spTree>
     <p:extLst>
       <p:ext uri="{BB962C8B-B14F-4D97-AF65-F5344CB8AC3E}">
-        <p14:creationId xmlns:p14="http://schemas.microsoft.com/office/powerpoint/2010/main" val="3077685445"/>
+        <p14:creationId xmlns:p14="http://schemas.microsoft.com/office/powerpoint/2010/main" val="540330147"/>
       </p:ext>
     </p:extLst>
   </p:cSld>
@@ -3872,7 +3893,7 @@
 </p:sld>
 </file>
 
-<file path=ppt/slides/slide2.xml><?xml version="1.0" encoding="utf-8"?>
+<file path=ppt/slides/slide11.xml><?xml version="1.0" encoding="utf-8"?>
 <p:sld xmlns:a="http://schemas.openxmlformats.org/drawingml/2006/main" xmlns:r="http://schemas.openxmlformats.org/officeDocument/2006/relationships" xmlns:p="http://schemas.openxmlformats.org/presentationml/2006/main">
   <p:cSld>
     <p:spTree>
@@ -3894,7 +3915,7 @@
           <p:cNvPr id="2" name="Title 1">
             <a:extLst>
               <a:ext uri="{FF2B5EF4-FFF2-40B4-BE49-F238E27FC236}">
-                <a16:creationId xmlns:a16="http://schemas.microsoft.com/office/drawing/2014/main" id="{25392E49-2B07-FCFD-F067-623713DEAA37}"/>
+                <a16:creationId xmlns:a16="http://schemas.microsoft.com/office/drawing/2014/main" id="{579FDF26-F40E-F867-9B75-02288D531B20}"/>
               </a:ext>
             </a:extLst>
           </p:cNvPr>
@@ -3912,7 +3933,7 @@
           <a:p>
             <a:r>
               <a:rPr lang="en-US" dirty="0"/>
-              <a:t>Progress:</a:t>
+              <a:t>With Open</a:t>
             </a:r>
           </a:p>
         </p:txBody>
@@ -3922,7 +3943,7 @@
           <p:cNvPr id="3" name="Content Placeholder 2">
             <a:extLst>
               <a:ext uri="{FF2B5EF4-FFF2-40B4-BE49-F238E27FC236}">
-                <a16:creationId xmlns:a16="http://schemas.microsoft.com/office/drawing/2014/main" id="{32E184B2-D372-DAB2-C4E0-D013DD62E7B1}"/>
+                <a16:creationId xmlns:a16="http://schemas.microsoft.com/office/drawing/2014/main" id="{5CB99D6E-21D3-5482-8284-FACCCE02FE59}"/>
               </a:ext>
             </a:extLst>
           </p:cNvPr>
@@ -3935,81 +3956,71 @@
         </p:nvSpPr>
         <p:spPr>
           <a:xfrm>
-            <a:off x="1451579" y="1853754"/>
-            <a:ext cx="9603275" cy="4268750"/>
-          </a:xfrm>
-        </p:spPr>
-        <p:txBody>
-          <a:bodyPr>
-            <a:normAutofit/>
-          </a:bodyPr>
-          <a:lstStyle/>
-          <a:p>
-            <a:r>
-              <a:rPr lang="en-US" dirty="0"/>
-              <a:t>Overall, we’ve covered most of the foundational concepts we need. </a:t>
+            <a:off x="1451579" y="2015732"/>
+            <a:ext cx="6498621" cy="3450613"/>
+          </a:xfrm>
+        </p:spPr>
+        <p:txBody>
+          <a:bodyPr/>
+          <a:lstStyle/>
+          <a:p>
+            <a:r>
+              <a:rPr lang="en-US" dirty="0"/>
+              <a:t>One simple shortcut we can use is “with open”.</a:t>
+            </a:r>
+          </a:p>
+          <a:p>
+            <a:r>
+              <a:rPr lang="en-US" dirty="0"/>
+              <a:t>Will automatically close the file for us. </a:t>
             </a:r>
           </a:p>
           <a:p>
             <a:pPr lvl="1"/>
             <a:r>
               <a:rPr lang="en-US" dirty="0"/>
-              <a:t>Notebook interface, functions, variables, basic types, flow control, objects. </a:t>
-            </a:r>
-          </a:p>
-          <a:p>
-            <a:pPr lvl="1"/>
-            <a:r>
-              <a:rPr lang="en-US" dirty="0"/>
-              <a:t>We’ve looked at and used things at a basic level, not in depth yet. </a:t>
-            </a:r>
-          </a:p>
-          <a:p>
-            <a:r>
-              <a:rPr lang="en-US" dirty="0"/>
-              <a:t>We can hopefully start working towards higher level challenges. </a:t>
-            </a:r>
-          </a:p>
-          <a:p>
-            <a:pPr lvl="1"/>
-            <a:r>
-              <a:rPr lang="en-US" dirty="0"/>
-              <a:t>Goals defined broadly, where we have to figure out our own solution leveraging the basics. </a:t>
-            </a:r>
-          </a:p>
-          <a:p>
-            <a:pPr lvl="1"/>
-            <a:r>
-              <a:rPr lang="en-US" dirty="0"/>
-              <a:t>Think, pseudocode, research, code, test, debug, repeat. </a:t>
-            </a:r>
-          </a:p>
-          <a:p>
-            <a:r>
-              <a:rPr lang="en-US" dirty="0"/>
-              <a:t>We’re going reasonably fast, and leaving some details, on purpose. </a:t>
-            </a:r>
-          </a:p>
-          <a:p>
-            <a:pPr lvl="1"/>
-            <a:r>
-              <a:rPr lang="en-US" dirty="0"/>
-              <a:t>I think it is a lot easier to build basic skills and comfort, which is where we are hopefully close to now, then expand that and dig deeper in the context of larger problems. </a:t>
-            </a:r>
-          </a:p>
-          <a:p>
-            <a:pPr lvl="1"/>
-            <a:r>
-              <a:rPr lang="en-US" dirty="0"/>
-              <a:t>We’ll loop back on some other stuff and explore in more detail, in the context of classes. </a:t>
-            </a:r>
-          </a:p>
-        </p:txBody>
-      </p:sp>
+              <a:t>Maintains the ”open” as long as needed, then closes it.</a:t>
+            </a:r>
+          </a:p>
+          <a:p>
+            <a:endParaRPr lang="en-US" dirty="0"/>
+          </a:p>
+        </p:txBody>
+      </p:sp>
+      <p:pic>
+        <p:nvPicPr>
+          <p:cNvPr id="4" name="Picture 3">
+            <a:extLst>
+              <a:ext uri="{FF2B5EF4-FFF2-40B4-BE49-F238E27FC236}">
+                <a16:creationId xmlns:a16="http://schemas.microsoft.com/office/drawing/2014/main" id="{A8481E45-8EEC-3A03-D62D-D044F17AED40}"/>
+              </a:ext>
+            </a:extLst>
+          </p:cNvPr>
+          <p:cNvPicPr>
+            <a:picLocks noChangeAspect="1"/>
+          </p:cNvPicPr>
+          <p:nvPr/>
+        </p:nvPicPr>
+        <p:blipFill>
+          <a:blip r:embed="rId2"/>
+          <a:stretch>
+            <a:fillRect/>
+          </a:stretch>
+        </p:blipFill>
+        <p:spPr>
+          <a:xfrm>
+            <a:off x="7950200" y="2266950"/>
+            <a:ext cx="4038600" cy="1549400"/>
+          </a:xfrm>
+          <a:prstGeom prst="rect">
+            <a:avLst/>
+          </a:prstGeom>
+        </p:spPr>
+      </p:pic>
     </p:spTree>
     <p:extLst>
       <p:ext uri="{BB962C8B-B14F-4D97-AF65-F5344CB8AC3E}">
-        <p14:creationId xmlns:p14="http://schemas.microsoft.com/office/powerpoint/2010/main" val="3462520646"/>
+        <p14:creationId xmlns:p14="http://schemas.microsoft.com/office/powerpoint/2010/main" val="4293654624"/>
       </p:ext>
     </p:extLst>
   </p:cSld>
@@ -4019,498 +4030,7 @@
 </p:sld>
 </file>
 
-<file path=ppt/slides/slide3.xml><?xml version="1.0" encoding="utf-8"?>
-<p:sld xmlns:a="http://schemas.openxmlformats.org/drawingml/2006/main" xmlns:r="http://schemas.openxmlformats.org/officeDocument/2006/relationships" xmlns:p="http://schemas.openxmlformats.org/presentationml/2006/main">
-  <p:cSld>
-    <p:spTree>
-      <p:nvGrpSpPr>
-        <p:cNvPr id="1" name=""/>
-        <p:cNvGrpSpPr/>
-        <p:nvPr/>
-      </p:nvGrpSpPr>
-      <p:grpSpPr>
-        <a:xfrm>
-          <a:off x="0" y="0"/>
-          <a:ext cx="0" cy="0"/>
-          <a:chOff x="0" y="0"/>
-          <a:chExt cx="0" cy="0"/>
-        </a:xfrm>
-      </p:grpSpPr>
-      <p:sp>
-        <p:nvSpPr>
-          <p:cNvPr id="2" name="Title 1">
-            <a:extLst>
-              <a:ext uri="{FF2B5EF4-FFF2-40B4-BE49-F238E27FC236}">
-                <a16:creationId xmlns:a16="http://schemas.microsoft.com/office/drawing/2014/main" id="{074E6DBF-FB88-208D-1078-813B44C1F972}"/>
-              </a:ext>
-            </a:extLst>
-          </p:cNvPr>
-          <p:cNvSpPr>
-            <a:spLocks noGrp="1"/>
-          </p:cNvSpPr>
-          <p:nvPr>
-            <p:ph type="ctrTitle"/>
-          </p:nvPr>
-        </p:nvSpPr>
-        <p:spPr/>
-        <p:txBody>
-          <a:bodyPr/>
-          <a:lstStyle/>
-          <a:p>
-            <a:r>
-              <a:rPr lang="en-US" dirty="0"/>
-              <a:t>Files and </a:t>
-            </a:r>
-            <a:r>
-              <a:rPr lang="en-US" dirty="0" err="1"/>
-              <a:t>Dataframes</a:t>
-            </a:r>
-            <a:endParaRPr lang="en-US" dirty="0"/>
-          </a:p>
-        </p:txBody>
-      </p:sp>
-      <p:sp>
-        <p:nvSpPr>
-          <p:cNvPr id="3" name="Subtitle 2">
-            <a:extLst>
-              <a:ext uri="{FF2B5EF4-FFF2-40B4-BE49-F238E27FC236}">
-                <a16:creationId xmlns:a16="http://schemas.microsoft.com/office/drawing/2014/main" id="{C5833ABB-32E6-D242-C0C4-47A72242A104}"/>
-              </a:ext>
-            </a:extLst>
-          </p:cNvPr>
-          <p:cNvSpPr>
-            <a:spLocks noGrp="1"/>
-          </p:cNvSpPr>
-          <p:nvPr>
-            <p:ph type="subTitle" idx="1"/>
-          </p:nvPr>
-        </p:nvSpPr>
-        <p:spPr/>
-        <p:txBody>
-          <a:bodyPr/>
-          <a:lstStyle/>
-          <a:p>
-            <a:endParaRPr lang="en-US"/>
-          </a:p>
-        </p:txBody>
-      </p:sp>
-    </p:spTree>
-    <p:extLst>
-      <p:ext uri="{BB962C8B-B14F-4D97-AF65-F5344CB8AC3E}">
-        <p14:creationId xmlns:p14="http://schemas.microsoft.com/office/powerpoint/2010/main" val="662495774"/>
-      </p:ext>
-    </p:extLst>
-  </p:cSld>
-  <p:clrMapOvr>
-    <a:masterClrMapping/>
-  </p:clrMapOvr>
-</p:sld>
-</file>
-
-<file path=ppt/slides/slide4.xml><?xml version="1.0" encoding="utf-8"?>
-<p:sld xmlns:a="http://schemas.openxmlformats.org/drawingml/2006/main" xmlns:r="http://schemas.openxmlformats.org/officeDocument/2006/relationships" xmlns:p="http://schemas.openxmlformats.org/presentationml/2006/main">
-  <p:cSld>
-    <p:spTree>
-      <p:nvGrpSpPr>
-        <p:cNvPr id="1" name=""/>
-        <p:cNvGrpSpPr/>
-        <p:nvPr/>
-      </p:nvGrpSpPr>
-      <p:grpSpPr>
-        <a:xfrm>
-          <a:off x="0" y="0"/>
-          <a:ext cx="0" cy="0"/>
-          <a:chOff x="0" y="0"/>
-          <a:chExt cx="0" cy="0"/>
-        </a:xfrm>
-      </p:grpSpPr>
-      <p:sp>
-        <p:nvSpPr>
-          <p:cNvPr id="2" name="Title 1">
-            <a:extLst>
-              <a:ext uri="{FF2B5EF4-FFF2-40B4-BE49-F238E27FC236}">
-                <a16:creationId xmlns:a16="http://schemas.microsoft.com/office/drawing/2014/main" id="{71DEE9F4-4244-83A2-452B-55EC6330A992}"/>
-              </a:ext>
-            </a:extLst>
-          </p:cNvPr>
-          <p:cNvSpPr>
-            <a:spLocks noGrp="1"/>
-          </p:cNvSpPr>
-          <p:nvPr>
-            <p:ph type="title"/>
-          </p:nvPr>
-        </p:nvSpPr>
-        <p:spPr/>
-        <p:txBody>
-          <a:bodyPr/>
-          <a:lstStyle/>
-          <a:p>
-            <a:r>
-              <a:rPr lang="en-US" dirty="0"/>
-              <a:t>Interacting with Local Data</a:t>
-            </a:r>
-          </a:p>
-        </p:txBody>
-      </p:sp>
-      <p:sp>
-        <p:nvSpPr>
-          <p:cNvPr id="3" name="Content Placeholder 2">
-            <a:extLst>
-              <a:ext uri="{FF2B5EF4-FFF2-40B4-BE49-F238E27FC236}">
-                <a16:creationId xmlns:a16="http://schemas.microsoft.com/office/drawing/2014/main" id="{008353FC-041D-72A4-A2E3-B8A1A4B1B3D5}"/>
-              </a:ext>
-            </a:extLst>
-          </p:cNvPr>
-          <p:cNvSpPr>
-            <a:spLocks noGrp="1"/>
-          </p:cNvSpPr>
-          <p:nvPr>
-            <p:ph idx="1"/>
-          </p:nvPr>
-        </p:nvSpPr>
-        <p:spPr>
-          <a:xfrm>
-            <a:off x="1137147" y="1853754"/>
-            <a:ext cx="10268044" cy="4306041"/>
-          </a:xfrm>
-        </p:spPr>
-        <p:txBody>
-          <a:bodyPr>
-            <a:normAutofit lnSpcReduction="10000"/>
-          </a:bodyPr>
-          <a:lstStyle/>
-          <a:p>
-            <a:r>
-              <a:rPr lang="en-US" dirty="0"/>
-              <a:t>Our Python programs normally run within their environment. </a:t>
-            </a:r>
-          </a:p>
-          <a:p>
-            <a:pPr lvl="1"/>
-            <a:r>
-              <a:rPr lang="en-US" dirty="0"/>
-              <a:t>We can “reach out” to interact with the underlying computer. </a:t>
-            </a:r>
-          </a:p>
-          <a:p>
-            <a:r>
-              <a:rPr lang="en-US" dirty="0"/>
-              <a:t>Each operating system provides some API (application programming interface) that offers a way for a “normal” program to interact with an underlying system. </a:t>
-            </a:r>
-          </a:p>
-          <a:p>
-            <a:pPr lvl="1"/>
-            <a:r>
-              <a:rPr lang="en-US" dirty="0"/>
-              <a:t>For programs the load/save stuff, they connect to the API for file access. </a:t>
-            </a:r>
-          </a:p>
-          <a:p>
-            <a:pPr lvl="1"/>
-            <a:r>
-              <a:rPr lang="en-US" dirty="0"/>
-              <a:t>For programs that have a GUI, they connect to the API for keyboard/mouse inputs. </a:t>
-            </a:r>
-          </a:p>
-          <a:p>
-            <a:pPr lvl="1"/>
-            <a:r>
-              <a:rPr lang="en-US" dirty="0"/>
-              <a:t>For programs that use networks, they connect to the API for network access. </a:t>
-            </a:r>
-          </a:p>
-          <a:p>
-            <a:r>
-              <a:rPr lang="en-US" dirty="0"/>
-              <a:t>Each OS provides the implementation, so the details are abstracted away. </a:t>
-            </a:r>
-          </a:p>
-          <a:p>
-            <a:pPr lvl="1"/>
-            <a:r>
-              <a:rPr lang="en-US" dirty="0"/>
-              <a:t>Note: Python is a very “high-level” language, meaning it is detached from the actions a computer actually takes. This allows for it to be more human friendly. </a:t>
-            </a:r>
-          </a:p>
-          <a:p>
-            <a:pPr lvl="1"/>
-            <a:r>
-              <a:rPr lang="en-US" dirty="0"/>
-              <a:t>Other languages (like C) force you to do more work on the details – like manually managing RAM</a:t>
-            </a:r>
-          </a:p>
-        </p:txBody>
-      </p:sp>
-    </p:spTree>
-    <p:extLst>
-      <p:ext uri="{BB962C8B-B14F-4D97-AF65-F5344CB8AC3E}">
-        <p14:creationId xmlns:p14="http://schemas.microsoft.com/office/powerpoint/2010/main" val="2672653705"/>
-      </p:ext>
-    </p:extLst>
-  </p:cSld>
-  <p:clrMapOvr>
-    <a:masterClrMapping/>
-  </p:clrMapOvr>
-</p:sld>
-</file>
-
-<file path=ppt/slides/slide5.xml><?xml version="1.0" encoding="utf-8"?>
-<p:sld xmlns:a="http://schemas.openxmlformats.org/drawingml/2006/main" xmlns:r="http://schemas.openxmlformats.org/officeDocument/2006/relationships" xmlns:p="http://schemas.openxmlformats.org/presentationml/2006/main">
-  <p:cSld>
-    <p:spTree>
-      <p:nvGrpSpPr>
-        <p:cNvPr id="1" name=""/>
-        <p:cNvGrpSpPr/>
-        <p:nvPr/>
-      </p:nvGrpSpPr>
-      <p:grpSpPr>
-        <a:xfrm>
-          <a:off x="0" y="0"/>
-          <a:ext cx="0" cy="0"/>
-          <a:chOff x="0" y="0"/>
-          <a:chExt cx="0" cy="0"/>
-        </a:xfrm>
-      </p:grpSpPr>
-      <p:sp>
-        <p:nvSpPr>
-          <p:cNvPr id="2" name="Title 1">
-            <a:extLst>
-              <a:ext uri="{FF2B5EF4-FFF2-40B4-BE49-F238E27FC236}">
-                <a16:creationId xmlns:a16="http://schemas.microsoft.com/office/drawing/2014/main" id="{B3D496A1-84C6-3103-DBDE-1D8771686355}"/>
-              </a:ext>
-            </a:extLst>
-          </p:cNvPr>
-          <p:cNvSpPr>
-            <a:spLocks noGrp="1"/>
-          </p:cNvSpPr>
-          <p:nvPr>
-            <p:ph type="title"/>
-          </p:nvPr>
-        </p:nvSpPr>
-        <p:spPr/>
-        <p:txBody>
-          <a:bodyPr/>
-          <a:lstStyle/>
-          <a:p>
-            <a:r>
-              <a:rPr lang="en-US" dirty="0"/>
-              <a:t>User Input</a:t>
-            </a:r>
-          </a:p>
-        </p:txBody>
-      </p:sp>
-      <p:sp>
-        <p:nvSpPr>
-          <p:cNvPr id="3" name="Content Placeholder 2">
-            <a:extLst>
-              <a:ext uri="{FF2B5EF4-FFF2-40B4-BE49-F238E27FC236}">
-                <a16:creationId xmlns:a16="http://schemas.microsoft.com/office/drawing/2014/main" id="{8431B2F2-C583-F326-CECE-102575131B81}"/>
-              </a:ext>
-            </a:extLst>
-          </p:cNvPr>
-          <p:cNvSpPr>
-            <a:spLocks noGrp="1"/>
-          </p:cNvSpPr>
-          <p:nvPr>
-            <p:ph idx="1"/>
-          </p:nvPr>
-        </p:nvSpPr>
-        <p:spPr/>
-        <p:txBody>
-          <a:bodyPr/>
-          <a:lstStyle/>
-          <a:p>
-            <a:r>
-              <a:rPr lang="en-US" dirty="0"/>
-              <a:t>When running code on a command line, we can get user input directly. </a:t>
-            </a:r>
-          </a:p>
-          <a:p>
-            <a:r>
-              <a:rPr lang="en-US" dirty="0"/>
-              <a:t>When using notebooks we don’t have the direct access to user input. </a:t>
-            </a:r>
-          </a:p>
-          <a:p>
-            <a:r>
-              <a:rPr lang="en-US" dirty="0"/>
-              <a:t>We can use the input() function to request user input. </a:t>
-            </a:r>
-          </a:p>
-          <a:p>
-            <a:pPr lvl="1"/>
-            <a:r>
-              <a:rPr lang="en-US" dirty="0"/>
-              <a:t>In VS Code, the text box at the top will open for input. </a:t>
-            </a:r>
-          </a:p>
-          <a:p>
-            <a:pPr lvl="1"/>
-            <a:r>
-              <a:rPr lang="en-US" dirty="0"/>
-              <a:t>After hitting enter, that value will be captured, likely into a variable. </a:t>
-            </a:r>
-          </a:p>
-        </p:txBody>
-      </p:sp>
-    </p:spTree>
-    <p:extLst>
-      <p:ext uri="{BB962C8B-B14F-4D97-AF65-F5344CB8AC3E}">
-        <p14:creationId xmlns:p14="http://schemas.microsoft.com/office/powerpoint/2010/main" val="3558061033"/>
-      </p:ext>
-    </p:extLst>
-  </p:cSld>
-  <p:clrMapOvr>
-    <a:masterClrMapping/>
-  </p:clrMapOvr>
-</p:sld>
-</file>
-
-<file path=ppt/slides/slide6.xml><?xml version="1.0" encoding="utf-8"?>
-<p:sld xmlns:a="http://schemas.openxmlformats.org/drawingml/2006/main" xmlns:r="http://schemas.openxmlformats.org/officeDocument/2006/relationships" xmlns:p="http://schemas.openxmlformats.org/presentationml/2006/main">
-  <p:cSld>
-    <p:spTree>
-      <p:nvGrpSpPr>
-        <p:cNvPr id="1" name=""/>
-        <p:cNvGrpSpPr/>
-        <p:nvPr/>
-      </p:nvGrpSpPr>
-      <p:grpSpPr>
-        <a:xfrm>
-          <a:off x="0" y="0"/>
-          <a:ext cx="0" cy="0"/>
-          <a:chOff x="0" y="0"/>
-          <a:chExt cx="0" cy="0"/>
-        </a:xfrm>
-      </p:grpSpPr>
-      <p:sp>
-        <p:nvSpPr>
-          <p:cNvPr id="2" name="Title 1">
-            <a:extLst>
-              <a:ext uri="{FF2B5EF4-FFF2-40B4-BE49-F238E27FC236}">
-                <a16:creationId xmlns:a16="http://schemas.microsoft.com/office/drawing/2014/main" id="{A1BC0840-4423-D98B-44BB-8F504E14EC67}"/>
-              </a:ext>
-            </a:extLst>
-          </p:cNvPr>
-          <p:cNvSpPr>
-            <a:spLocks noGrp="1"/>
-          </p:cNvSpPr>
-          <p:nvPr>
-            <p:ph type="title"/>
-          </p:nvPr>
-        </p:nvSpPr>
-        <p:spPr/>
-        <p:txBody>
-          <a:bodyPr/>
-          <a:lstStyle/>
-          <a:p>
-            <a:r>
-              <a:rPr lang="en-US" dirty="0"/>
-              <a:t>File Access</a:t>
-            </a:r>
-          </a:p>
-        </p:txBody>
-      </p:sp>
-      <p:sp>
-        <p:nvSpPr>
-          <p:cNvPr id="3" name="Content Placeholder 2">
-            <a:extLst>
-              <a:ext uri="{FF2B5EF4-FFF2-40B4-BE49-F238E27FC236}">
-                <a16:creationId xmlns:a16="http://schemas.microsoft.com/office/drawing/2014/main" id="{B29B55C0-86FC-3142-7653-17DC12804F40}"/>
-              </a:ext>
-            </a:extLst>
-          </p:cNvPr>
-          <p:cNvSpPr>
-            <a:spLocks noGrp="1"/>
-          </p:cNvSpPr>
-          <p:nvPr>
-            <p:ph idx="1"/>
-          </p:nvPr>
-        </p:nvSpPr>
-        <p:spPr>
-          <a:xfrm>
-            <a:off x="1451579" y="1853754"/>
-            <a:ext cx="9603275" cy="4199727"/>
-          </a:xfrm>
-        </p:spPr>
-        <p:txBody>
-          <a:bodyPr/>
-          <a:lstStyle/>
-          <a:p>
-            <a:r>
-              <a:rPr lang="en-US" dirty="0"/>
-              <a:t>We can also use a library to access files from the hard drive. </a:t>
-            </a:r>
-          </a:p>
-          <a:p>
-            <a:r>
-              <a:rPr lang="en-US" dirty="0"/>
-              <a:t>Many libraries can do this. </a:t>
-            </a:r>
-          </a:p>
-          <a:p>
-            <a:pPr lvl="1"/>
-            <a:r>
-              <a:rPr lang="en-US" dirty="0"/>
-              <a:t>The “base” library is “</a:t>
-            </a:r>
-            <a:r>
-              <a:rPr lang="en-US" dirty="0" err="1"/>
-              <a:t>os</a:t>
-            </a:r>
-            <a:r>
-              <a:rPr lang="en-US" dirty="0"/>
-              <a:t>” which provides a bunch of computer-related functions. </a:t>
-            </a:r>
-          </a:p>
-          <a:p>
-            <a:r>
-              <a:rPr lang="en-US" dirty="0"/>
-              <a:t>We often use Pandas for smaller datasets in data science. </a:t>
-            </a:r>
-          </a:p>
-          <a:p>
-            <a:pPr lvl="1"/>
-            <a:r>
-              <a:rPr lang="en-US" dirty="0"/>
-              <a:t>Pandas is a library that mainly provides the data access/management for data science work. </a:t>
-            </a:r>
-          </a:p>
-          <a:p>
-            <a:r>
-              <a:rPr lang="en-US" dirty="0"/>
-              <a:t>We can’t really access a file directly.</a:t>
-            </a:r>
-          </a:p>
-          <a:p>
-            <a:pPr lvl="1"/>
-            <a:r>
-              <a:rPr lang="en-US" dirty="0"/>
-              <a:t>The library we use to do the file access will call on a function provided by the OS itself, and request that the OS do something, like provide a file. </a:t>
-            </a:r>
-          </a:p>
-          <a:p>
-            <a:r>
-              <a:rPr lang="en-US" dirty="0"/>
-              <a:t>Allows us to not care about the mechanics of loading a file. </a:t>
-            </a:r>
-          </a:p>
-        </p:txBody>
-      </p:sp>
-    </p:spTree>
-    <p:extLst>
-      <p:ext uri="{BB962C8B-B14F-4D97-AF65-F5344CB8AC3E}">
-        <p14:creationId xmlns:p14="http://schemas.microsoft.com/office/powerpoint/2010/main" val="3807653882"/>
-      </p:ext>
-    </p:extLst>
-  </p:cSld>
-  <p:clrMapOvr>
-    <a:masterClrMapping/>
-  </p:clrMapOvr>
-</p:sld>
-</file>
-
-<file path=ppt/slides/slide7.xml><?xml version="1.0" encoding="utf-8"?>
+<file path=ppt/slides/slide12.xml><?xml version="1.0" encoding="utf-8"?>
 <p:sld xmlns:a="http://schemas.openxmlformats.org/drawingml/2006/main" xmlns:r="http://schemas.openxmlformats.org/officeDocument/2006/relationships" xmlns:p="http://schemas.openxmlformats.org/presentationml/2006/main">
   <p:cSld>
     <p:bg>
@@ -4553,163 +4073,318 @@
       </p:grpSpPr>
       <p:sp>
         <p:nvSpPr>
-          <p:cNvPr id="2" name="Title 1">
+          <p:cNvPr id="1031" name="Rectangle 1030">
             <a:extLst>
               <a:ext uri="{FF2B5EF4-FFF2-40B4-BE49-F238E27FC236}">
-                <a16:creationId xmlns:a16="http://schemas.microsoft.com/office/drawing/2014/main" id="{C93689FA-38A3-0BB6-45EF-B8BE778EFEEF}"/>
+                <a16:creationId xmlns:a16="http://schemas.microsoft.com/office/drawing/2014/main" id="{CDDE5CDF-1512-4CDA-B956-23D223F8DE44}"/>
+              </a:ext>
+              <a:ext uri="{C183D7F6-B498-43B3-948B-1728B52AA6E4}">
+                <adec:decorative xmlns:adec="http://schemas.microsoft.com/office/drawing/2017/decorative" val="1"/>
               </a:ext>
             </a:extLst>
           </p:cNvPr>
           <p:cNvSpPr>
-            <a:spLocks noGrp="1"/>
-          </p:cNvSpPr>
-          <p:nvPr>
-            <p:ph type="title"/>
+            <a:spLocks noGrp="1" noRot="1" noChangeAspect="1" noMove="1" noResize="1" noEditPoints="1" noAdjustHandles="1" noChangeArrowheads="1" noChangeShapeType="1" noTextEdit="1"/>
+          </p:cNvSpPr>
+          <p:nvPr>
+            <p:extLst>
+              <p:ext uri="{386F3935-93C4-4BCD-93E2-E3B085C9AB24}">
+                <p16:designElem xmlns:p16="http://schemas.microsoft.com/office/powerpoint/2015/main" val="1"/>
+              </p:ext>
+            </p:extLst>
           </p:nvPr>
         </p:nvSpPr>
         <p:spPr>
           <a:xfrm>
-            <a:off x="1451579" y="804519"/>
-            <a:ext cx="9603275" cy="1049235"/>
-          </a:xfrm>
-        </p:spPr>
-        <p:txBody>
-          <a:bodyPr>
-            <a:normAutofit/>
-          </a:bodyPr>
-          <a:lstStyle/>
-          <a:p>
-            <a:r>
-              <a:rPr lang="en-US" dirty="0"/>
-              <a:t>Pandas</a:t>
-            </a:r>
-          </a:p>
-        </p:txBody>
-      </p:sp>
-      <p:sp>
-        <p:nvSpPr>
-          <p:cNvPr id="3" name="Content Placeholder 2">
+            <a:off x="0" y="2019476"/>
+            <a:ext cx="12192000" cy="4105941"/>
+          </a:xfrm>
+          <a:prstGeom prst="rect">
+            <a:avLst/>
+          </a:prstGeom>
+          <a:gradFill flip="none" rotWithShape="1">
+            <a:gsLst>
+              <a:gs pos="0">
+                <a:schemeClr val="bg2">
+                  <a:alpha val="0"/>
+                </a:schemeClr>
+              </a:gs>
+              <a:gs pos="100000">
+                <a:schemeClr val="bg2"/>
+              </a:gs>
+            </a:gsLst>
+            <a:lin ang="5400000" scaled="0"/>
+            <a:tileRect/>
+          </a:gradFill>
+          <a:ln>
+            <a:noFill/>
+          </a:ln>
+        </p:spPr>
+        <p:style>
+          <a:lnRef idx="2">
+            <a:schemeClr val="accent1">
+              <a:shade val="50000"/>
+            </a:schemeClr>
+          </a:lnRef>
+          <a:fillRef idx="1">
+            <a:schemeClr val="accent1"/>
+          </a:fillRef>
+          <a:effectRef idx="0">
+            <a:schemeClr val="accent1"/>
+          </a:effectRef>
+          <a:fontRef idx="minor">
+            <a:schemeClr val="lt1"/>
+          </a:fontRef>
+        </p:style>
+        <p:txBody>
+          <a:bodyPr/>
+          <a:lstStyle/>
+          <a:p>
+            <a:endParaRPr lang="en-US"/>
+          </a:p>
+        </p:txBody>
+      </p:sp>
+      <p:pic>
+        <p:nvPicPr>
+          <p:cNvPr id="1033" name="Picture 1032">
             <a:extLst>
               <a:ext uri="{FF2B5EF4-FFF2-40B4-BE49-F238E27FC236}">
-                <a16:creationId xmlns:a16="http://schemas.microsoft.com/office/drawing/2014/main" id="{753F965B-5EF1-0B67-8610-77BFE5A24EA4}"/>
+                <a16:creationId xmlns:a16="http://schemas.microsoft.com/office/drawing/2014/main" id="{B029D7D8-5A6B-4C76-94C8-15798C6C5ADB}"/>
               </a:ext>
-            </a:extLst>
-          </p:cNvPr>
-          <p:cNvSpPr>
-            <a:spLocks noGrp="1"/>
-          </p:cNvSpPr>
-          <p:nvPr>
-            <p:ph idx="1"/>
-          </p:nvPr>
-        </p:nvSpPr>
-        <p:spPr>
-          <a:xfrm>
-            <a:off x="444381" y="2015734"/>
-            <a:ext cx="5481498" cy="3931410"/>
-          </a:xfrm>
-        </p:spPr>
-        <p:txBody>
-          <a:bodyPr>
-            <a:normAutofit/>
-          </a:bodyPr>
-          <a:lstStyle/>
-          <a:p>
-            <a:pPr>
-              <a:lnSpc>
-                <a:spcPct val="110000"/>
-              </a:lnSpc>
-            </a:pPr>
-            <a:r>
-              <a:rPr lang="en-US" dirty="0"/>
-              <a:t>Pandas is one of the most common DS libraries. </a:t>
-            </a:r>
-          </a:p>
-          <a:p>
-            <a:pPr>
-              <a:lnSpc>
-                <a:spcPct val="110000"/>
-              </a:lnSpc>
-            </a:pPr>
-            <a:r>
-              <a:rPr lang="en-US" dirty="0"/>
-              <a:t>Pandas provides us with a convenient data structure for tabular data – the </a:t>
-            </a:r>
-            <a:r>
-              <a:rPr lang="en-US" dirty="0" err="1"/>
-              <a:t>dataframe</a:t>
-            </a:r>
-            <a:r>
-              <a:rPr lang="en-US" dirty="0"/>
-              <a:t>. </a:t>
-            </a:r>
-          </a:p>
-          <a:p>
-            <a:pPr lvl="1">
-              <a:lnSpc>
-                <a:spcPct val="110000"/>
-              </a:lnSpc>
-            </a:pPr>
-            <a:r>
-              <a:rPr lang="en-US" sz="2000" dirty="0"/>
-              <a:t>A </a:t>
-            </a:r>
-            <a:r>
-              <a:rPr lang="en-US" sz="2000" dirty="0" err="1"/>
-              <a:t>dataframe</a:t>
-            </a:r>
-            <a:r>
-              <a:rPr lang="en-US" sz="2000" dirty="0"/>
-              <a:t> is formatted just like a spreadsheet. </a:t>
-            </a:r>
-          </a:p>
-          <a:p>
-            <a:pPr>
-              <a:lnSpc>
-                <a:spcPct val="110000"/>
-              </a:lnSpc>
-            </a:pPr>
-            <a:r>
-              <a:rPr lang="en-US" dirty="0"/>
-              <a:t>Pandas also provides functions that will load data from a file into a </a:t>
-            </a:r>
-            <a:r>
-              <a:rPr lang="en-US" dirty="0" err="1"/>
-              <a:t>dataframe</a:t>
-            </a:r>
-            <a:r>
-              <a:rPr lang="en-US" dirty="0"/>
-              <a:t>. </a:t>
-            </a:r>
-          </a:p>
-          <a:p>
-            <a:pPr>
-              <a:lnSpc>
-                <a:spcPct val="110000"/>
-              </a:lnSpc>
-            </a:pPr>
-            <a:r>
-              <a:rPr lang="en-US" dirty="0"/>
-              <a:t>We will use pandas throughout machine learning, unless the data we are using is large. </a:t>
-            </a:r>
-          </a:p>
-        </p:txBody>
-      </p:sp>
-      <p:pic>
-        <p:nvPicPr>
-          <p:cNvPr id="2050" name="Picture 2" descr="Giant Panda | Species | WWF">
-            <a:extLst>
-              <a:ext uri="{FF2B5EF4-FFF2-40B4-BE49-F238E27FC236}">
-                <a16:creationId xmlns:a16="http://schemas.microsoft.com/office/drawing/2014/main" id="{C1A54CF5-35FD-B835-B3B1-522709455E7D}"/>
+              <a:ext uri="{C183D7F6-B498-43B3-948B-1728B52AA6E4}">
+                <adec:decorative xmlns:adec="http://schemas.microsoft.com/office/drawing/2017/decorative" val="1"/>
               </a:ext>
             </a:extLst>
           </p:cNvPr>
           <p:cNvPicPr>
-            <a:picLocks noChangeAspect="1" noChangeArrowheads="1"/>
+            <a:picLocks noGrp="1" noRot="1" noChangeAspect="1" noMove="1" noResize="1" noEditPoints="1" noAdjustHandles="1" noChangeArrowheads="1" noChangeShapeType="1" noCrop="1"/>
           </p:cNvPicPr>
-          <p:nvPr/>
+          <p:nvPr>
+            <p:extLst>
+              <p:ext uri="{386F3935-93C4-4BCD-93E2-E3B085C9AB24}">
+                <p16:designElem xmlns:p16="http://schemas.microsoft.com/office/powerpoint/2015/main" val="1"/>
+              </p:ext>
+            </p:extLst>
+          </p:nvPr>
+        </p:nvPicPr>
+        <p:blipFill rotWithShape="1">
+          <a:blip r:embed="rId2">
+            <a:extLst>
+              <a:ext uri="{28A0092B-C50C-407E-A947-70E740481C1C}">
+                <a14:useLocalDpi xmlns:a14="http://schemas.microsoft.com/office/drawing/2010/main" val="0"/>
+              </a:ext>
+            </a:extLst>
+          </a:blip>
+          <a:srcRect t="1538" b="-1538"/>
+          <a:stretch/>
+        </p:blipFill>
+        <p:spPr bwMode="black">
+          <a:xfrm>
+            <a:off x="0" y="6126480"/>
+            <a:ext cx="12192000" cy="742950"/>
+          </a:xfrm>
+          <a:prstGeom prst="rect">
+            <a:avLst/>
+          </a:prstGeom>
+        </p:spPr>
+      </p:pic>
+      <p:cxnSp>
+        <p:nvCxnSpPr>
+          <p:cNvPr id="1035" name="Straight Connector 1034">
+            <a:extLst>
+              <a:ext uri="{FF2B5EF4-FFF2-40B4-BE49-F238E27FC236}">
+                <a16:creationId xmlns:a16="http://schemas.microsoft.com/office/drawing/2014/main" id="{A5C9319C-E20D-4884-952F-60B6A58C3E34}"/>
+              </a:ext>
+              <a:ext uri="{C183D7F6-B498-43B3-948B-1728B52AA6E4}">
+                <adec:decorative xmlns:adec="http://schemas.microsoft.com/office/drawing/2017/decorative" val="1"/>
+              </a:ext>
+            </a:extLst>
+          </p:cNvPr>
+          <p:cNvCxnSpPr>
+            <a:cxnSpLocks noGrp="1" noRot="1" noChangeAspect="1" noMove="1" noResize="1" noEditPoints="1" noAdjustHandles="1" noChangeArrowheads="1" noChangeShapeType="1"/>
+          </p:cNvCxnSpPr>
+          <p:nvPr>
+            <p:extLst>
+              <p:ext uri="{386F3935-93C4-4BCD-93E2-E3B085C9AB24}">
+                <p16:designElem xmlns:p16="http://schemas.microsoft.com/office/powerpoint/2015/main" val="1"/>
+              </p:ext>
+            </p:extLst>
+          </p:nvPr>
+        </p:nvCxnSpPr>
+        <p:spPr>
+          <a:xfrm>
+            <a:off x="0" y="6128413"/>
+            <a:ext cx="12192000" cy="0"/>
+          </a:xfrm>
+          <a:prstGeom prst="line">
+            <a:avLst/>
+          </a:prstGeom>
+          <a:ln w="12700">
+            <a:solidFill>
+              <a:srgbClr val="000001">
+                <a:alpha val="20000"/>
+              </a:srgbClr>
+            </a:solidFill>
+          </a:ln>
+        </p:spPr>
+        <p:style>
+          <a:lnRef idx="1">
+            <a:schemeClr val="accent1"/>
+          </a:lnRef>
+          <a:fillRef idx="0">
+            <a:schemeClr val="accent1"/>
+          </a:fillRef>
+          <a:effectRef idx="0">
+            <a:schemeClr val="accent1"/>
+          </a:effectRef>
+          <a:fontRef idx="minor">
+            <a:schemeClr val="tx1"/>
+          </a:fontRef>
+        </p:style>
+      </p:cxnSp>
+      <p:sp useBgFill="1">
+        <p:nvSpPr>
+          <p:cNvPr id="1037" name="Rectangle 1036">
+            <a:extLst>
+              <a:ext uri="{FF2B5EF4-FFF2-40B4-BE49-F238E27FC236}">
+                <a16:creationId xmlns:a16="http://schemas.microsoft.com/office/drawing/2014/main" id="{F1176DA6-4BBF-42A4-9C94-E6613CCD6B37}"/>
+              </a:ext>
+              <a:ext uri="{C183D7F6-B498-43B3-948B-1728B52AA6E4}">
+                <adec:decorative xmlns:adec="http://schemas.microsoft.com/office/drawing/2017/decorative" val="1"/>
+              </a:ext>
+            </a:extLst>
+          </p:cNvPr>
+          <p:cNvSpPr>
+            <a:spLocks noGrp="1" noRot="1" noChangeAspect="1" noMove="1" noResize="1" noEditPoints="1" noAdjustHandles="1" noChangeArrowheads="1" noChangeShapeType="1" noTextEdit="1"/>
+          </p:cNvSpPr>
+          <p:nvPr>
+            <p:extLst>
+              <p:ext uri="{386F3935-93C4-4BCD-93E2-E3B085C9AB24}">
+                <p16:designElem xmlns:p16="http://schemas.microsoft.com/office/powerpoint/2015/main" val="1"/>
+              </p:ext>
+            </p:extLst>
+          </p:nvPr>
+        </p:nvSpPr>
+        <p:spPr>
+          <a:xfrm>
+            <a:off x="0" y="0"/>
+            <a:ext cx="12192000" cy="6858000"/>
+          </a:xfrm>
+          <a:prstGeom prst="rect">
+            <a:avLst/>
+          </a:prstGeom>
+          <a:ln>
+            <a:noFill/>
+          </a:ln>
+        </p:spPr>
+        <p:style>
+          <a:lnRef idx="2">
+            <a:schemeClr val="accent1">
+              <a:shade val="50000"/>
+            </a:schemeClr>
+          </a:lnRef>
+          <a:fillRef idx="1">
+            <a:schemeClr val="accent1"/>
+          </a:fillRef>
+          <a:effectRef idx="0">
+            <a:schemeClr val="accent1"/>
+          </a:effectRef>
+          <a:fontRef idx="minor">
+            <a:schemeClr val="lt1"/>
+          </a:fontRef>
+        </p:style>
+        <p:txBody>
+          <a:bodyPr rtlCol="0" anchor="ctr"/>
+          <a:lstStyle/>
+          <a:p>
+            <a:pPr algn="ctr"/>
+            <a:endParaRPr lang="en-US"/>
+          </a:p>
+        </p:txBody>
+      </p:sp>
+      <p:sp>
+        <p:nvSpPr>
+          <p:cNvPr id="1039" name="Rectangle 1038">
+            <a:extLst>
+              <a:ext uri="{FF2B5EF4-FFF2-40B4-BE49-F238E27FC236}">
+                <a16:creationId xmlns:a16="http://schemas.microsoft.com/office/drawing/2014/main" id="{99AAB0AE-172B-4FB4-80C2-86CD6B824220}"/>
+              </a:ext>
+              <a:ext uri="{C183D7F6-B498-43B3-948B-1728B52AA6E4}">
+                <adec:decorative xmlns:adec="http://schemas.microsoft.com/office/drawing/2017/decorative" val="1"/>
+              </a:ext>
+            </a:extLst>
+          </p:cNvPr>
+          <p:cNvSpPr>
+            <a:spLocks noGrp="1" noRot="1" noChangeAspect="1" noMove="1" noResize="1" noEditPoints="1" noAdjustHandles="1" noChangeArrowheads="1" noChangeShapeType="1" noTextEdit="1"/>
+          </p:cNvSpPr>
+          <p:nvPr>
+            <p:extLst>
+              <p:ext uri="{386F3935-93C4-4BCD-93E2-E3B085C9AB24}">
+                <p16:designElem xmlns:p16="http://schemas.microsoft.com/office/powerpoint/2015/main" val="1"/>
+              </p:ext>
+            </p:extLst>
+          </p:nvPr>
+        </p:nvSpPr>
+        <p:spPr>
+          <a:xfrm>
+            <a:off x="477012" y="480060"/>
+            <a:ext cx="11237976" cy="5897880"/>
+          </a:xfrm>
+          <a:prstGeom prst="rect">
+            <a:avLst/>
+          </a:prstGeom>
+          <a:solidFill>
+            <a:schemeClr val="bg1"/>
+          </a:solidFill>
+          <a:ln w="22225">
+            <a:solidFill>
+              <a:srgbClr val="333399"/>
+            </a:solidFill>
+          </a:ln>
+        </p:spPr>
+        <p:style>
+          <a:lnRef idx="2">
+            <a:schemeClr val="accent1">
+              <a:shade val="50000"/>
+            </a:schemeClr>
+          </a:lnRef>
+          <a:fillRef idx="1">
+            <a:schemeClr val="accent1"/>
+          </a:fillRef>
+          <a:effectRef idx="0">
+            <a:schemeClr val="accent1"/>
+          </a:effectRef>
+          <a:fontRef idx="minor">
+            <a:schemeClr val="lt1"/>
+          </a:fontRef>
+        </p:style>
+        <p:txBody>
+          <a:bodyPr rtlCol="0" anchor="ctr"/>
+          <a:lstStyle/>
+          <a:p>
+            <a:pPr algn="ctr"/>
+            <a:endParaRPr lang="en-US"/>
+          </a:p>
+        </p:txBody>
+      </p:sp>
+      <p:pic>
+        <p:nvPicPr>
+          <p:cNvPr id="1026" name="Picture 2" descr="File Handling with Python for GIS Programmers - Geospatial Training Services">
+            <a:extLst>
+              <a:ext uri="{FF2B5EF4-FFF2-40B4-BE49-F238E27FC236}">
+                <a16:creationId xmlns:a16="http://schemas.microsoft.com/office/drawing/2014/main" id="{18074CA8-4B77-741D-D8DD-A15D3298EF70}"/>
+              </a:ext>
+            </a:extLst>
+          </p:cNvPr>
+          <p:cNvPicPr>
+            <a:picLocks noGrp="1" noChangeAspect="1" noChangeArrowheads="1"/>
+          </p:cNvPicPr>
+          <p:nvPr>
+            <p:ph idx="1"/>
+          </p:nvPr>
         </p:nvPicPr>
         <p:blipFill>
-          <a:blip r:embed="rId2">
+          <a:blip r:embed="rId3">
             <a:extLst>
               <a:ext uri="{28A0092B-C50C-407E-A947-70E740481C1C}">
                 <a14:useLocalDpi xmlns:a14="http://schemas.microsoft.com/office/drawing/2010/main" val="0"/>
@@ -4722,8 +4397,8 @@
         </p:blipFill>
         <p:spPr bwMode="auto">
           <a:xfrm>
-            <a:off x="5990903" y="1940867"/>
-            <a:ext cx="5875802" cy="3525480"/>
+            <a:off x="643467" y="674858"/>
+            <a:ext cx="10905066" cy="5508284"/>
           </a:xfrm>
           <a:prstGeom prst="rect">
             <a:avLst/>
@@ -4743,7 +4418,7 @@
     </p:spTree>
     <p:extLst>
       <p:ext uri="{BB962C8B-B14F-4D97-AF65-F5344CB8AC3E}">
-        <p14:creationId xmlns:p14="http://schemas.microsoft.com/office/powerpoint/2010/main" val="643294962"/>
+        <p14:creationId xmlns:p14="http://schemas.microsoft.com/office/powerpoint/2010/main" val="3970387577"/>
       </p:ext>
     </p:extLst>
   </p:cSld>
@@ -4753,7 +4428,170 @@
 </p:sld>
 </file>
 
-<file path=ppt/slides/slide8.xml><?xml version="1.0" encoding="utf-8"?>
+<file path=ppt/slides/slide13.xml><?xml version="1.0" encoding="utf-8"?>
+<p:sld xmlns:a="http://schemas.openxmlformats.org/drawingml/2006/main" xmlns:r="http://schemas.openxmlformats.org/officeDocument/2006/relationships" xmlns:p="http://schemas.openxmlformats.org/presentationml/2006/main">
+  <p:cSld>
+    <p:spTree>
+      <p:nvGrpSpPr>
+        <p:cNvPr id="1" name=""/>
+        <p:cNvGrpSpPr/>
+        <p:nvPr/>
+      </p:nvGrpSpPr>
+      <p:grpSpPr>
+        <a:xfrm>
+          <a:off x="0" y="0"/>
+          <a:ext cx="0" cy="0"/>
+          <a:chOff x="0" y="0"/>
+          <a:chExt cx="0" cy="0"/>
+        </a:xfrm>
+      </p:grpSpPr>
+      <p:sp>
+        <p:nvSpPr>
+          <p:cNvPr id="2" name="Title 1">
+            <a:extLst>
+              <a:ext uri="{FF2B5EF4-FFF2-40B4-BE49-F238E27FC236}">
+                <a16:creationId xmlns:a16="http://schemas.microsoft.com/office/drawing/2014/main" id="{45FFA733-5C3D-7EED-E667-12943D907CC3}"/>
+              </a:ext>
+            </a:extLst>
+          </p:cNvPr>
+          <p:cNvSpPr>
+            <a:spLocks noGrp="1"/>
+          </p:cNvSpPr>
+          <p:nvPr>
+            <p:ph type="title"/>
+          </p:nvPr>
+        </p:nvSpPr>
+        <p:spPr/>
+        <p:txBody>
+          <a:bodyPr/>
+          <a:lstStyle/>
+          <a:p>
+            <a:r>
+              <a:rPr lang="en-US" dirty="0"/>
+              <a:t>Dataset Access</a:t>
+            </a:r>
+          </a:p>
+        </p:txBody>
+      </p:sp>
+      <p:sp>
+        <p:nvSpPr>
+          <p:cNvPr id="3" name="Content Placeholder 2">
+            <a:extLst>
+              <a:ext uri="{FF2B5EF4-FFF2-40B4-BE49-F238E27FC236}">
+                <a16:creationId xmlns:a16="http://schemas.microsoft.com/office/drawing/2014/main" id="{EDEDEAC0-D83A-7B25-5DB5-86C9037CD73A}"/>
+              </a:ext>
+            </a:extLst>
+          </p:cNvPr>
+          <p:cNvSpPr>
+            <a:spLocks noGrp="1"/>
+          </p:cNvSpPr>
+          <p:nvPr>
+            <p:ph idx="1"/>
+          </p:nvPr>
+        </p:nvSpPr>
+        <p:spPr>
+          <a:xfrm>
+            <a:off x="1451579" y="1966823"/>
+            <a:ext cx="9603275" cy="4086657"/>
+          </a:xfrm>
+        </p:spPr>
+        <p:txBody>
+          <a:bodyPr/>
+          <a:lstStyle/>
+          <a:p>
+            <a:r>
+              <a:rPr lang="en-US" dirty="0"/>
+              <a:t>In data science, we generally access data through a library that is specialized for that. </a:t>
+            </a:r>
+          </a:p>
+          <a:p>
+            <a:r>
+              <a:rPr lang="en-US" dirty="0"/>
+              <a:t>Read data and put it into a </a:t>
+            </a:r>
+            <a:r>
+              <a:rPr lang="en-US" dirty="0" err="1"/>
+              <a:t>dataframe</a:t>
+            </a:r>
+            <a:r>
+              <a:rPr lang="en-US" dirty="0"/>
+              <a:t>. </a:t>
+            </a:r>
+          </a:p>
+          <a:p>
+            <a:pPr lvl="1"/>
+            <a:r>
+              <a:rPr lang="en-US" dirty="0"/>
+              <a:t>A </a:t>
+            </a:r>
+            <a:r>
+              <a:rPr lang="en-US" dirty="0" err="1"/>
+              <a:t>dataframe</a:t>
+            </a:r>
+            <a:r>
+              <a:rPr lang="en-US" dirty="0"/>
+              <a:t> is one of our standard data structures. </a:t>
+            </a:r>
+          </a:p>
+          <a:p>
+            <a:pPr lvl="1"/>
+            <a:r>
+              <a:rPr lang="en-US" dirty="0"/>
+              <a:t>It is roughly a spreadsheet that we can access by column/row. </a:t>
+            </a:r>
+          </a:p>
+          <a:p>
+            <a:r>
+              <a:rPr lang="en-US" dirty="0"/>
+              <a:t>These libraries ’abstract away’ the details of file access. </a:t>
+            </a:r>
+          </a:p>
+          <a:p>
+            <a:pPr lvl="1"/>
+            <a:r>
+              <a:rPr lang="en-US" dirty="0"/>
+              <a:t>I.e. we aim them at any </a:t>
+            </a:r>
+            <a:r>
+              <a:rPr lang="en-US" dirty="0" err="1"/>
+              <a:t>datasource</a:t>
+            </a:r>
+            <a:r>
+              <a:rPr lang="en-US" dirty="0"/>
+              <a:t> (CSV file, excel file, </a:t>
+            </a:r>
+            <a:r>
+              <a:rPr lang="en-US" dirty="0" err="1"/>
+              <a:t>etc</a:t>
+            </a:r>
+            <a:r>
+              <a:rPr lang="en-US" dirty="0"/>
+              <a:t>…) and they provide us with the same result. </a:t>
+            </a:r>
+          </a:p>
+          <a:p>
+            <a:pPr lvl="1"/>
+            <a:r>
+              <a:rPr lang="en-US" dirty="0"/>
+              <a:t>We don’t need to worry about reading the data, it’s invisible to us. </a:t>
+            </a:r>
+          </a:p>
+        </p:txBody>
+      </p:sp>
+    </p:spTree>
+    <p:extLst>
+      <p:ext uri="{BB962C8B-B14F-4D97-AF65-F5344CB8AC3E}">
+        <p14:creationId xmlns:p14="http://schemas.microsoft.com/office/powerpoint/2010/main" val="3206528970"/>
+      </p:ext>
+    </p:extLst>
+  </p:cSld>
+  <p:clrMapOvr>
+    <a:masterClrMapping/>
+  </p:clrMapOvr>
+</p:sld>
+</file>
+
+<file path=ppt/slides/slide14.xml><?xml version="1.0" encoding="utf-8"?>
 <p:sld xmlns:a="http://schemas.openxmlformats.org/drawingml/2006/main" xmlns:r="http://schemas.openxmlformats.org/officeDocument/2006/relationships" xmlns:p="http://schemas.openxmlformats.org/presentationml/2006/main">
   <p:cSld>
     <p:bg>
@@ -4799,6 +4637,249 @@
           <p:cNvPr id="2" name="Title 1">
             <a:extLst>
               <a:ext uri="{FF2B5EF4-FFF2-40B4-BE49-F238E27FC236}">
+                <a16:creationId xmlns:a16="http://schemas.microsoft.com/office/drawing/2014/main" id="{C93689FA-38A3-0BB6-45EF-B8BE778EFEEF}"/>
+              </a:ext>
+            </a:extLst>
+          </p:cNvPr>
+          <p:cNvSpPr>
+            <a:spLocks noGrp="1"/>
+          </p:cNvSpPr>
+          <p:nvPr>
+            <p:ph type="title"/>
+          </p:nvPr>
+        </p:nvSpPr>
+        <p:spPr>
+          <a:xfrm>
+            <a:off x="1451579" y="804519"/>
+            <a:ext cx="9603275" cy="1049235"/>
+          </a:xfrm>
+        </p:spPr>
+        <p:txBody>
+          <a:bodyPr>
+            <a:normAutofit/>
+          </a:bodyPr>
+          <a:lstStyle/>
+          <a:p>
+            <a:r>
+              <a:rPr lang="en-US" dirty="0"/>
+              <a:t>Pandas</a:t>
+            </a:r>
+          </a:p>
+        </p:txBody>
+      </p:sp>
+      <p:sp>
+        <p:nvSpPr>
+          <p:cNvPr id="3" name="Content Placeholder 2">
+            <a:extLst>
+              <a:ext uri="{FF2B5EF4-FFF2-40B4-BE49-F238E27FC236}">
+                <a16:creationId xmlns:a16="http://schemas.microsoft.com/office/drawing/2014/main" id="{753F965B-5EF1-0B67-8610-77BFE5A24EA4}"/>
+              </a:ext>
+            </a:extLst>
+          </p:cNvPr>
+          <p:cNvSpPr>
+            <a:spLocks noGrp="1"/>
+          </p:cNvSpPr>
+          <p:nvPr>
+            <p:ph idx="1"/>
+          </p:nvPr>
+        </p:nvSpPr>
+        <p:spPr>
+          <a:xfrm>
+            <a:off x="444381" y="2015734"/>
+            <a:ext cx="5481498" cy="3931410"/>
+          </a:xfrm>
+        </p:spPr>
+        <p:txBody>
+          <a:bodyPr>
+            <a:normAutofit/>
+          </a:bodyPr>
+          <a:lstStyle/>
+          <a:p>
+            <a:pPr>
+              <a:lnSpc>
+                <a:spcPct val="110000"/>
+              </a:lnSpc>
+            </a:pPr>
+            <a:r>
+              <a:rPr lang="en-US" dirty="0"/>
+              <a:t>Pandas is one of the most common DS libraries. </a:t>
+            </a:r>
+          </a:p>
+          <a:p>
+            <a:pPr>
+              <a:lnSpc>
+                <a:spcPct val="110000"/>
+              </a:lnSpc>
+            </a:pPr>
+            <a:r>
+              <a:rPr lang="en-US" dirty="0"/>
+              <a:t>Pandas provides us with a convenient data structure for tabular data – the </a:t>
+            </a:r>
+            <a:r>
+              <a:rPr lang="en-US" dirty="0" err="1"/>
+              <a:t>dataframe</a:t>
+            </a:r>
+            <a:r>
+              <a:rPr lang="en-US" dirty="0"/>
+              <a:t>. </a:t>
+            </a:r>
+          </a:p>
+          <a:p>
+            <a:pPr lvl="1">
+              <a:lnSpc>
+                <a:spcPct val="110000"/>
+              </a:lnSpc>
+            </a:pPr>
+            <a:r>
+              <a:rPr lang="en-US" sz="2000" dirty="0"/>
+              <a:t>A </a:t>
+            </a:r>
+            <a:r>
+              <a:rPr lang="en-US" sz="2000" dirty="0" err="1"/>
+              <a:t>dataframe</a:t>
+            </a:r>
+            <a:r>
+              <a:rPr lang="en-US" sz="2000" dirty="0"/>
+              <a:t> is formatted just like a spreadsheet. </a:t>
+            </a:r>
+          </a:p>
+          <a:p>
+            <a:pPr>
+              <a:lnSpc>
+                <a:spcPct val="110000"/>
+              </a:lnSpc>
+            </a:pPr>
+            <a:r>
+              <a:rPr lang="en-US" dirty="0"/>
+              <a:t>Pandas also provides functions that will load data from a file into a </a:t>
+            </a:r>
+            <a:r>
+              <a:rPr lang="en-US" dirty="0" err="1"/>
+              <a:t>dataframe</a:t>
+            </a:r>
+            <a:r>
+              <a:rPr lang="en-US" dirty="0"/>
+              <a:t>. </a:t>
+            </a:r>
+          </a:p>
+          <a:p>
+            <a:pPr>
+              <a:lnSpc>
+                <a:spcPct val="110000"/>
+              </a:lnSpc>
+            </a:pPr>
+            <a:r>
+              <a:rPr lang="en-US" dirty="0"/>
+              <a:t>We will use pandas throughout machine learning, unless the data we are using is large. </a:t>
+            </a:r>
+          </a:p>
+        </p:txBody>
+      </p:sp>
+      <p:pic>
+        <p:nvPicPr>
+          <p:cNvPr id="2050" name="Picture 2" descr="Giant Panda | Species | WWF">
+            <a:extLst>
+              <a:ext uri="{FF2B5EF4-FFF2-40B4-BE49-F238E27FC236}">
+                <a16:creationId xmlns:a16="http://schemas.microsoft.com/office/drawing/2014/main" id="{C1A54CF5-35FD-B835-B3B1-522709455E7D}"/>
+              </a:ext>
+            </a:extLst>
+          </p:cNvPr>
+          <p:cNvPicPr>
+            <a:picLocks noChangeAspect="1" noChangeArrowheads="1"/>
+          </p:cNvPicPr>
+          <p:nvPr/>
+        </p:nvPicPr>
+        <p:blipFill>
+          <a:blip r:embed="rId2">
+            <a:extLst>
+              <a:ext uri="{28A0092B-C50C-407E-A947-70E740481C1C}">
+                <a14:useLocalDpi xmlns:a14="http://schemas.microsoft.com/office/drawing/2010/main" val="0"/>
+              </a:ext>
+            </a:extLst>
+          </a:blip>
+          <a:stretch>
+            <a:fillRect/>
+          </a:stretch>
+        </p:blipFill>
+        <p:spPr bwMode="auto">
+          <a:xfrm>
+            <a:off x="5990903" y="1940867"/>
+            <a:ext cx="5875802" cy="3525480"/>
+          </a:xfrm>
+          <a:prstGeom prst="rect">
+            <a:avLst/>
+          </a:prstGeom>
+          <a:noFill/>
+          <a:extLst>
+            <a:ext uri="{909E8E84-426E-40DD-AFC4-6F175D3DCCD1}">
+              <a14:hiddenFill xmlns:a14="http://schemas.microsoft.com/office/drawing/2010/main">
+                <a:solidFill>
+                  <a:srgbClr val="FFFFFF"/>
+                </a:solidFill>
+              </a14:hiddenFill>
+            </a:ext>
+          </a:extLst>
+        </p:spPr>
+      </p:pic>
+    </p:spTree>
+    <p:extLst>
+      <p:ext uri="{BB962C8B-B14F-4D97-AF65-F5344CB8AC3E}">
+        <p14:creationId xmlns:p14="http://schemas.microsoft.com/office/powerpoint/2010/main" val="643294962"/>
+      </p:ext>
+    </p:extLst>
+  </p:cSld>
+  <p:clrMapOvr>
+    <a:masterClrMapping/>
+  </p:clrMapOvr>
+</p:sld>
+</file>
+
+<file path=ppt/slides/slide15.xml><?xml version="1.0" encoding="utf-8"?>
+<p:sld xmlns:a="http://schemas.openxmlformats.org/drawingml/2006/main" xmlns:r="http://schemas.openxmlformats.org/officeDocument/2006/relationships" xmlns:p="http://schemas.openxmlformats.org/presentationml/2006/main">
+  <p:cSld>
+    <p:bg>
+      <p:bgPr>
+        <a:gradFill rotWithShape="1">
+          <a:gsLst>
+            <a:gs pos="0">
+              <a:schemeClr val="bg2">
+                <a:tint val="94000"/>
+                <a:satMod val="80000"/>
+                <a:lumMod val="106000"/>
+              </a:schemeClr>
+            </a:gs>
+            <a:gs pos="100000">
+              <a:schemeClr val="bg2">
+                <a:shade val="80000"/>
+              </a:schemeClr>
+            </a:gs>
+          </a:gsLst>
+          <a:path path="circle">
+            <a:fillToRect l="43000" r="43000" b="100000"/>
+          </a:path>
+        </a:gradFill>
+        <a:effectLst/>
+      </p:bgPr>
+    </p:bg>
+    <p:spTree>
+      <p:nvGrpSpPr>
+        <p:cNvPr id="1" name=""/>
+        <p:cNvGrpSpPr/>
+        <p:nvPr/>
+      </p:nvGrpSpPr>
+      <p:grpSpPr>
+        <a:xfrm>
+          <a:off x="0" y="0"/>
+          <a:ext cx="0" cy="0"/>
+          <a:chOff x="0" y="0"/>
+          <a:chExt cx="0" cy="0"/>
+        </a:xfrm>
+      </p:grpSpPr>
+      <p:sp>
+        <p:nvSpPr>
+          <p:cNvPr id="2" name="Title 1">
+            <a:extLst>
+              <a:ext uri="{FF2B5EF4-FFF2-40B4-BE49-F238E27FC236}">
                 <a16:creationId xmlns:a16="http://schemas.microsoft.com/office/drawing/2014/main" id="{4C8F5CE9-57E2-818B-8E7F-87A835C31240}"/>
               </a:ext>
             </a:extLst>
@@ -5006,7 +5087,231 @@
 </p:sld>
 </file>
 
-<file path=ppt/slides/slide9.xml><?xml version="1.0" encoding="utf-8"?>
+<file path=ppt/slides/slide16.xml><?xml version="1.0" encoding="utf-8"?>
+<p:sld xmlns:a="http://schemas.openxmlformats.org/drawingml/2006/main" xmlns:r="http://schemas.openxmlformats.org/officeDocument/2006/relationships" xmlns:p="http://schemas.openxmlformats.org/presentationml/2006/main">
+  <p:cSld>
+    <p:bg>
+      <p:bgPr>
+        <a:gradFill rotWithShape="1">
+          <a:gsLst>
+            <a:gs pos="0">
+              <a:schemeClr val="bg2">
+                <a:tint val="94000"/>
+                <a:satMod val="80000"/>
+                <a:lumMod val="106000"/>
+              </a:schemeClr>
+            </a:gs>
+            <a:gs pos="100000">
+              <a:schemeClr val="bg2">
+                <a:shade val="80000"/>
+              </a:schemeClr>
+            </a:gs>
+          </a:gsLst>
+          <a:path path="circle">
+            <a:fillToRect l="43000" r="43000" b="100000"/>
+          </a:path>
+        </a:gradFill>
+        <a:effectLst/>
+      </p:bgPr>
+    </p:bg>
+    <p:spTree>
+      <p:nvGrpSpPr>
+        <p:cNvPr id="1" name=""/>
+        <p:cNvGrpSpPr/>
+        <p:nvPr/>
+      </p:nvGrpSpPr>
+      <p:grpSpPr>
+        <a:xfrm>
+          <a:off x="0" y="0"/>
+          <a:ext cx="0" cy="0"/>
+          <a:chOff x="0" y="0"/>
+          <a:chExt cx="0" cy="0"/>
+        </a:xfrm>
+      </p:grpSpPr>
+      <p:sp>
+        <p:nvSpPr>
+          <p:cNvPr id="2" name="Title 1">
+            <a:extLst>
+              <a:ext uri="{FF2B5EF4-FFF2-40B4-BE49-F238E27FC236}">
+                <a16:creationId xmlns:a16="http://schemas.microsoft.com/office/drawing/2014/main" id="{D781D104-8E16-714B-D417-AF88F72581D8}"/>
+              </a:ext>
+            </a:extLst>
+          </p:cNvPr>
+          <p:cNvSpPr>
+            <a:spLocks noGrp="1"/>
+          </p:cNvSpPr>
+          <p:nvPr>
+            <p:ph type="title"/>
+          </p:nvPr>
+        </p:nvSpPr>
+        <p:spPr>
+          <a:xfrm>
+            <a:off x="1451579" y="804519"/>
+            <a:ext cx="9603275" cy="1049235"/>
+          </a:xfrm>
+        </p:spPr>
+        <p:txBody>
+          <a:bodyPr>
+            <a:normAutofit/>
+          </a:bodyPr>
+          <a:lstStyle/>
+          <a:p>
+            <a:r>
+              <a:rPr lang="en-US" dirty="0"/>
+              <a:t>Pandas Read CSV</a:t>
+            </a:r>
+          </a:p>
+        </p:txBody>
+      </p:sp>
+      <p:sp>
+        <p:nvSpPr>
+          <p:cNvPr id="3" name="Content Placeholder 2">
+            <a:extLst>
+              <a:ext uri="{FF2B5EF4-FFF2-40B4-BE49-F238E27FC236}">
+                <a16:creationId xmlns:a16="http://schemas.microsoft.com/office/drawing/2014/main" id="{EA15EAA8-BF08-1A2A-D805-E71354456E1F}"/>
+              </a:ext>
+            </a:extLst>
+          </p:cNvPr>
+          <p:cNvSpPr>
+            <a:spLocks noGrp="1"/>
+          </p:cNvSpPr>
+          <p:nvPr>
+            <p:ph idx="1"/>
+          </p:nvPr>
+        </p:nvSpPr>
+        <p:spPr>
+          <a:xfrm>
+            <a:off x="1451580" y="2015734"/>
+            <a:ext cx="3696014" cy="3694953"/>
+          </a:xfrm>
+        </p:spPr>
+        <p:txBody>
+          <a:bodyPr>
+            <a:normAutofit/>
+          </a:bodyPr>
+          <a:lstStyle/>
+          <a:p>
+            <a:r>
+              <a:rPr lang="en-US" dirty="0"/>
+              <a:t>We can open a dataset with the </a:t>
+            </a:r>
+            <a:r>
+              <a:rPr lang="en-US" dirty="0" err="1"/>
+              <a:t>read_csv</a:t>
+            </a:r>
+            <a:r>
+              <a:rPr lang="en-US" dirty="0"/>
+              <a:t>() function. </a:t>
+            </a:r>
+          </a:p>
+          <a:p>
+            <a:pPr lvl="1"/>
+            <a:r>
+              <a:rPr lang="en-US" dirty="0"/>
+              <a:t>There are </a:t>
+            </a:r>
+            <a:r>
+              <a:rPr lang="en-US" dirty="0" err="1"/>
+              <a:t>read_otherstuff</a:t>
+            </a:r>
+            <a:r>
+              <a:rPr lang="en-US" dirty="0"/>
+              <a:t> functions as well. </a:t>
+            </a:r>
+          </a:p>
+          <a:p>
+            <a:pPr lvl="1"/>
+            <a:r>
+              <a:rPr lang="en-US" dirty="0"/>
+              <a:t>Can do most tabular types. </a:t>
+            </a:r>
+          </a:p>
+          <a:p>
+            <a:r>
+              <a:rPr lang="en-US" dirty="0"/>
+              <a:t>This will do all the file access stuff and just give us a </a:t>
+            </a:r>
+            <a:r>
+              <a:rPr lang="en-US" dirty="0" err="1"/>
+              <a:t>dataframe</a:t>
+            </a:r>
+            <a:r>
+              <a:rPr lang="en-US" dirty="0"/>
+              <a:t>. </a:t>
+            </a:r>
+          </a:p>
+          <a:p>
+            <a:r>
+              <a:rPr lang="en-US" dirty="0" err="1"/>
+              <a:t>To_csv</a:t>
+            </a:r>
+            <a:r>
+              <a:rPr lang="en-US" dirty="0"/>
+              <a:t>() does the opposite. </a:t>
+            </a:r>
+          </a:p>
+        </p:txBody>
+      </p:sp>
+      <p:pic>
+        <p:nvPicPr>
+          <p:cNvPr id="4098" name="Picture 2" descr="Python Pandas read_csv: Load csv/text file - KeyToDataScience">
+            <a:extLst>
+              <a:ext uri="{FF2B5EF4-FFF2-40B4-BE49-F238E27FC236}">
+                <a16:creationId xmlns:a16="http://schemas.microsoft.com/office/drawing/2014/main" id="{7B2D0ED4-0E8E-97ED-2B8F-B0DD82E7EFC6}"/>
+              </a:ext>
+            </a:extLst>
+          </p:cNvPr>
+          <p:cNvPicPr>
+            <a:picLocks noChangeAspect="1" noChangeArrowheads="1"/>
+          </p:cNvPicPr>
+          <p:nvPr/>
+        </p:nvPicPr>
+        <p:blipFill>
+          <a:blip r:embed="rId2">
+            <a:extLst>
+              <a:ext uri="{28A0092B-C50C-407E-A947-70E740481C1C}">
+                <a14:useLocalDpi xmlns:a14="http://schemas.microsoft.com/office/drawing/2010/main" val="0"/>
+              </a:ext>
+            </a:extLst>
+          </a:blip>
+          <a:stretch>
+            <a:fillRect/>
+          </a:stretch>
+        </p:blipFill>
+        <p:spPr bwMode="auto">
+          <a:xfrm>
+            <a:off x="5147593" y="2273590"/>
+            <a:ext cx="7044407" cy="2851307"/>
+          </a:xfrm>
+          <a:prstGeom prst="rect">
+            <a:avLst/>
+          </a:prstGeom>
+          <a:noFill/>
+          <a:extLst>
+            <a:ext uri="{909E8E84-426E-40DD-AFC4-6F175D3DCCD1}">
+              <a14:hiddenFill xmlns:a14="http://schemas.microsoft.com/office/drawing/2010/main">
+                <a:solidFill>
+                  <a:srgbClr val="FFFFFF"/>
+                </a:solidFill>
+              </a14:hiddenFill>
+            </a:ext>
+          </a:extLst>
+        </p:spPr>
+      </p:pic>
+    </p:spTree>
+    <p:extLst>
+      <p:ext uri="{BB962C8B-B14F-4D97-AF65-F5344CB8AC3E}">
+        <p14:creationId xmlns:p14="http://schemas.microsoft.com/office/powerpoint/2010/main" val="3893520008"/>
+      </p:ext>
+    </p:extLst>
+  </p:cSld>
+  <p:clrMapOvr>
+    <a:masterClrMapping/>
+  </p:clrMapOvr>
+</p:sld>
+</file>
+
+<file path=ppt/slides/slide17.xml><?xml version="1.0" encoding="utf-8"?>
 <p:sld xmlns:a="http://schemas.openxmlformats.org/drawingml/2006/main" xmlns:r="http://schemas.openxmlformats.org/officeDocument/2006/relationships" xmlns:p="http://schemas.openxmlformats.org/presentationml/2006/main">
   <p:cSld>
     <p:spTree>
@@ -5137,12 +5442,1355 @@
               <a:t>Group and aggregate the data. </a:t>
             </a:r>
           </a:p>
+          <a:p>
+            <a:r>
+              <a:rPr lang="en-US" dirty="0"/>
+              <a:t>This is the same for (probably) lots of stats, and ML next semester. </a:t>
+            </a:r>
+          </a:p>
         </p:txBody>
       </p:sp>
     </p:spTree>
     <p:extLst>
       <p:ext uri="{BB962C8B-B14F-4D97-AF65-F5344CB8AC3E}">
         <p14:creationId xmlns:p14="http://schemas.microsoft.com/office/powerpoint/2010/main" val="37689985"/>
+      </p:ext>
+    </p:extLst>
+  </p:cSld>
+  <p:clrMapOvr>
+    <a:masterClrMapping/>
+  </p:clrMapOvr>
+</p:sld>
+</file>
+
+<file path=ppt/slides/slide18.xml><?xml version="1.0" encoding="utf-8"?>
+<p:sld xmlns:a="http://schemas.openxmlformats.org/drawingml/2006/main" xmlns:r="http://schemas.openxmlformats.org/officeDocument/2006/relationships" xmlns:p="http://schemas.openxmlformats.org/presentationml/2006/main">
+  <p:cSld>
+    <p:spTree>
+      <p:nvGrpSpPr>
+        <p:cNvPr id="1" name=""/>
+        <p:cNvGrpSpPr/>
+        <p:nvPr/>
+      </p:nvGrpSpPr>
+      <p:grpSpPr>
+        <a:xfrm>
+          <a:off x="0" y="0"/>
+          <a:ext cx="0" cy="0"/>
+          <a:chOff x="0" y="0"/>
+          <a:chExt cx="0" cy="0"/>
+        </a:xfrm>
+      </p:grpSpPr>
+      <p:sp>
+        <p:nvSpPr>
+          <p:cNvPr id="2" name="Title 1">
+            <a:extLst>
+              <a:ext uri="{FF2B5EF4-FFF2-40B4-BE49-F238E27FC236}">
+                <a16:creationId xmlns:a16="http://schemas.microsoft.com/office/drawing/2014/main" id="{9F7353FF-ABB8-329B-4F91-425557C29FF4}"/>
+              </a:ext>
+            </a:extLst>
+          </p:cNvPr>
+          <p:cNvSpPr>
+            <a:spLocks noGrp="1"/>
+          </p:cNvSpPr>
+          <p:nvPr>
+            <p:ph type="title"/>
+          </p:nvPr>
+        </p:nvSpPr>
+        <p:spPr/>
+        <p:txBody>
+          <a:bodyPr/>
+          <a:lstStyle/>
+          <a:p>
+            <a:r>
+              <a:rPr lang="en-US" dirty="0"/>
+              <a:t>Manipulating </a:t>
+            </a:r>
+            <a:r>
+              <a:rPr lang="en-US" dirty="0" err="1"/>
+              <a:t>Dataframes</a:t>
+            </a:r>
+            <a:endParaRPr lang="en-US" dirty="0"/>
+          </a:p>
+        </p:txBody>
+      </p:sp>
+      <p:sp>
+        <p:nvSpPr>
+          <p:cNvPr id="3" name="Content Placeholder 2">
+            <a:extLst>
+              <a:ext uri="{FF2B5EF4-FFF2-40B4-BE49-F238E27FC236}">
+                <a16:creationId xmlns:a16="http://schemas.microsoft.com/office/drawing/2014/main" id="{B8EECA3A-8064-D6E2-2964-F943873B6385}"/>
+              </a:ext>
+            </a:extLst>
+          </p:cNvPr>
+          <p:cNvSpPr>
+            <a:spLocks noGrp="1"/>
+          </p:cNvSpPr>
+          <p:nvPr>
+            <p:ph idx="1"/>
+          </p:nvPr>
+        </p:nvSpPr>
+        <p:spPr>
+          <a:xfrm>
+            <a:off x="1103243" y="2015732"/>
+            <a:ext cx="9951611" cy="3450613"/>
+          </a:xfrm>
+        </p:spPr>
+        <p:txBody>
+          <a:bodyPr/>
+          <a:lstStyle/>
+          <a:p>
+            <a:r>
+              <a:rPr lang="en-US" dirty="0"/>
+              <a:t>We’ll look at this in code, it is much easier. </a:t>
+            </a:r>
+          </a:p>
+          <a:p>
+            <a:r>
+              <a:rPr lang="en-US" dirty="0"/>
+              <a:t>We can select which columns or rows we want by specifying some selection criteria. </a:t>
+            </a:r>
+          </a:p>
+          <a:p>
+            <a:r>
+              <a:rPr lang="en-US" dirty="0"/>
+              <a:t>We can get some information about the </a:t>
+            </a:r>
+            <a:r>
+              <a:rPr lang="en-US" dirty="0" err="1"/>
+              <a:t>dataframe</a:t>
+            </a:r>
+            <a:r>
+              <a:rPr lang="en-US" dirty="0"/>
+              <a:t> using its methods – describe, info, shape.</a:t>
+            </a:r>
+          </a:p>
+          <a:p>
+            <a:r>
+              <a:rPr lang="en-US" dirty="0"/>
+              <a:t>We can do calculations (grouping and aggregation) using functions to group the data and calculate results, like a nerdier Excel filter. </a:t>
+            </a:r>
+          </a:p>
+        </p:txBody>
+      </p:sp>
+    </p:spTree>
+    <p:extLst>
+      <p:ext uri="{BB962C8B-B14F-4D97-AF65-F5344CB8AC3E}">
+        <p14:creationId xmlns:p14="http://schemas.microsoft.com/office/powerpoint/2010/main" val="3077685445"/>
+      </p:ext>
+    </p:extLst>
+  </p:cSld>
+  <p:clrMapOvr>
+    <a:masterClrMapping/>
+  </p:clrMapOvr>
+</p:sld>
+</file>
+
+<file path=ppt/slides/slide19.xml><?xml version="1.0" encoding="utf-8"?>
+<p:sld xmlns:a="http://schemas.openxmlformats.org/drawingml/2006/main" xmlns:r="http://schemas.openxmlformats.org/officeDocument/2006/relationships" xmlns:p="http://schemas.openxmlformats.org/presentationml/2006/main">
+  <p:cSld>
+    <p:spTree>
+      <p:nvGrpSpPr>
+        <p:cNvPr id="1" name=""/>
+        <p:cNvGrpSpPr/>
+        <p:nvPr/>
+      </p:nvGrpSpPr>
+      <p:grpSpPr>
+        <a:xfrm>
+          <a:off x="0" y="0"/>
+          <a:ext cx="0" cy="0"/>
+          <a:chOff x="0" y="0"/>
+          <a:chExt cx="0" cy="0"/>
+        </a:xfrm>
+      </p:grpSpPr>
+      <p:sp>
+        <p:nvSpPr>
+          <p:cNvPr id="2" name="Title 1">
+            <a:extLst>
+              <a:ext uri="{FF2B5EF4-FFF2-40B4-BE49-F238E27FC236}">
+                <a16:creationId xmlns:a16="http://schemas.microsoft.com/office/drawing/2014/main" id="{9AD18134-E61B-92A0-43B8-D62AE5F322A0}"/>
+              </a:ext>
+            </a:extLst>
+          </p:cNvPr>
+          <p:cNvSpPr>
+            <a:spLocks noGrp="1"/>
+          </p:cNvSpPr>
+          <p:nvPr>
+            <p:ph type="title"/>
+          </p:nvPr>
+        </p:nvSpPr>
+        <p:spPr/>
+        <p:txBody>
+          <a:bodyPr/>
+          <a:lstStyle/>
+          <a:p>
+            <a:r>
+              <a:rPr lang="en-US" dirty="0"/>
+              <a:t>Using Files</a:t>
+            </a:r>
+          </a:p>
+        </p:txBody>
+      </p:sp>
+      <p:sp>
+        <p:nvSpPr>
+          <p:cNvPr id="3" name="Content Placeholder 2">
+            <a:extLst>
+              <a:ext uri="{FF2B5EF4-FFF2-40B4-BE49-F238E27FC236}">
+                <a16:creationId xmlns:a16="http://schemas.microsoft.com/office/drawing/2014/main" id="{EB0984D6-3FA2-F9A1-2C53-44DC78C9354D}"/>
+              </a:ext>
+            </a:extLst>
+          </p:cNvPr>
+          <p:cNvSpPr>
+            <a:spLocks noGrp="1"/>
+          </p:cNvSpPr>
+          <p:nvPr>
+            <p:ph idx="1"/>
+          </p:nvPr>
+        </p:nvSpPr>
+        <p:spPr>
+          <a:xfrm>
+            <a:off x="1451579" y="1853755"/>
+            <a:ext cx="9603275" cy="4247996"/>
+          </a:xfrm>
+        </p:spPr>
+        <p:txBody>
+          <a:bodyPr/>
+          <a:lstStyle/>
+          <a:p>
+            <a:r>
+              <a:rPr lang="en-US" dirty="0"/>
+              <a:t>We can use libraries like </a:t>
+            </a:r>
+            <a:r>
+              <a:rPr lang="en-US" dirty="0" err="1"/>
+              <a:t>os</a:t>
+            </a:r>
+            <a:r>
+              <a:rPr lang="en-US" dirty="0"/>
+              <a:t>, or higher level ones like pandas to input/</a:t>
+            </a:r>
+            <a:r>
+              <a:rPr lang="en-US" dirty="0" err="1"/>
+              <a:t>ouput</a:t>
+            </a:r>
+            <a:r>
+              <a:rPr lang="en-US" dirty="0"/>
+              <a:t> data. </a:t>
+            </a:r>
+          </a:p>
+          <a:p>
+            <a:pPr lvl="1"/>
+            <a:r>
+              <a:rPr lang="en-US" dirty="0"/>
+              <a:t>Later we’ll use others to save our work when making ML models. </a:t>
+            </a:r>
+          </a:p>
+          <a:p>
+            <a:r>
+              <a:rPr lang="en-US" dirty="0"/>
+              <a:t>We can usually avoid using read/write details in data science work. </a:t>
+            </a:r>
+          </a:p>
+          <a:p>
+            <a:pPr lvl="1"/>
+            <a:r>
+              <a:rPr lang="en-US" dirty="0"/>
+              <a:t>We should understand it, but it is pretty easy. </a:t>
+            </a:r>
+          </a:p>
+          <a:p>
+            <a:r>
+              <a:rPr lang="en-US" dirty="0"/>
+              <a:t>When using the OS file access, we need to manage open/close. </a:t>
+            </a:r>
+          </a:p>
+          <a:p>
+            <a:r>
+              <a:rPr lang="en-US" dirty="0"/>
+              <a:t>Open file read-write challenge:</a:t>
+            </a:r>
+          </a:p>
+          <a:p>
+            <a:pPr lvl="1"/>
+            <a:r>
+              <a:rPr lang="en-US" dirty="0"/>
+              <a:t>Write some repeated action (like a function that is called) to a log, with debug details. </a:t>
+            </a:r>
+          </a:p>
+          <a:p>
+            <a:pPr lvl="1"/>
+            <a:r>
+              <a:rPr lang="en-US" dirty="0"/>
+              <a:t>When writing the log, don’t overwrite it each time, add this iteration to the end.</a:t>
+            </a:r>
+          </a:p>
+          <a:p>
+            <a:pPr lvl="1"/>
+            <a:r>
+              <a:rPr lang="en-US" dirty="0"/>
+              <a:t>Think of details, like date/time, that might matter in an ever-running log. </a:t>
+            </a:r>
+          </a:p>
+        </p:txBody>
+      </p:sp>
+    </p:spTree>
+    <p:extLst>
+      <p:ext uri="{BB962C8B-B14F-4D97-AF65-F5344CB8AC3E}">
+        <p14:creationId xmlns:p14="http://schemas.microsoft.com/office/powerpoint/2010/main" val="3955216277"/>
+      </p:ext>
+    </p:extLst>
+  </p:cSld>
+  <p:clrMapOvr>
+    <a:masterClrMapping/>
+  </p:clrMapOvr>
+</p:sld>
+</file>
+
+<file path=ppt/slides/slide2.xml><?xml version="1.0" encoding="utf-8"?>
+<p:sld xmlns:a="http://schemas.openxmlformats.org/drawingml/2006/main" xmlns:r="http://schemas.openxmlformats.org/officeDocument/2006/relationships" xmlns:p="http://schemas.openxmlformats.org/presentationml/2006/main">
+  <p:cSld>
+    <p:spTree>
+      <p:nvGrpSpPr>
+        <p:cNvPr id="1" name=""/>
+        <p:cNvGrpSpPr/>
+        <p:nvPr/>
+      </p:nvGrpSpPr>
+      <p:grpSpPr>
+        <a:xfrm>
+          <a:off x="0" y="0"/>
+          <a:ext cx="0" cy="0"/>
+          <a:chOff x="0" y="0"/>
+          <a:chExt cx="0" cy="0"/>
+        </a:xfrm>
+      </p:grpSpPr>
+      <p:sp>
+        <p:nvSpPr>
+          <p:cNvPr id="2" name="Title 1">
+            <a:extLst>
+              <a:ext uri="{FF2B5EF4-FFF2-40B4-BE49-F238E27FC236}">
+                <a16:creationId xmlns:a16="http://schemas.microsoft.com/office/drawing/2014/main" id="{25392E49-2B07-FCFD-F067-623713DEAA37}"/>
+              </a:ext>
+            </a:extLst>
+          </p:cNvPr>
+          <p:cNvSpPr>
+            <a:spLocks noGrp="1"/>
+          </p:cNvSpPr>
+          <p:nvPr>
+            <p:ph type="title"/>
+          </p:nvPr>
+        </p:nvSpPr>
+        <p:spPr/>
+        <p:txBody>
+          <a:bodyPr/>
+          <a:lstStyle/>
+          <a:p>
+            <a:r>
+              <a:rPr lang="en-US" dirty="0"/>
+              <a:t>Progress:</a:t>
+            </a:r>
+          </a:p>
+        </p:txBody>
+      </p:sp>
+      <p:sp>
+        <p:nvSpPr>
+          <p:cNvPr id="3" name="Content Placeholder 2">
+            <a:extLst>
+              <a:ext uri="{FF2B5EF4-FFF2-40B4-BE49-F238E27FC236}">
+                <a16:creationId xmlns:a16="http://schemas.microsoft.com/office/drawing/2014/main" id="{32E184B2-D372-DAB2-C4E0-D013DD62E7B1}"/>
+              </a:ext>
+            </a:extLst>
+          </p:cNvPr>
+          <p:cNvSpPr>
+            <a:spLocks noGrp="1"/>
+          </p:cNvSpPr>
+          <p:nvPr>
+            <p:ph idx="1"/>
+          </p:nvPr>
+        </p:nvSpPr>
+        <p:spPr>
+          <a:xfrm>
+            <a:off x="1451579" y="1853754"/>
+            <a:ext cx="9603275" cy="4268750"/>
+          </a:xfrm>
+        </p:spPr>
+        <p:txBody>
+          <a:bodyPr>
+            <a:normAutofit/>
+          </a:bodyPr>
+          <a:lstStyle/>
+          <a:p>
+            <a:r>
+              <a:rPr lang="en-US" dirty="0"/>
+              <a:t>The file stuff is easy, so it is a good chance to do some catch-up if needed. </a:t>
+            </a:r>
+          </a:p>
+          <a:p>
+            <a:r>
+              <a:rPr lang="en-US" dirty="0"/>
+              <a:t>Self-check at the end of the file. </a:t>
+            </a:r>
+          </a:p>
+          <a:p>
+            <a:pPr lvl="1"/>
+            <a:r>
+              <a:rPr lang="en-US" dirty="0"/>
+              <a:t>Optional, but a good, quick-</a:t>
+            </a:r>
+            <a:r>
+              <a:rPr lang="en-US" dirty="0" err="1"/>
+              <a:t>ish</a:t>
+            </a:r>
+            <a:r>
+              <a:rPr lang="en-US" dirty="0"/>
+              <a:t> test. </a:t>
+            </a:r>
+          </a:p>
+          <a:p>
+            <a:pPr lvl="1"/>
+            <a:r>
+              <a:rPr lang="en-US" dirty="0"/>
+              <a:t>It’s one thing, so it isn’t comprehensive, </a:t>
+            </a:r>
+            <a:r>
+              <a:rPr lang="en-US"/>
+              <a:t>but representative. </a:t>
+            </a:r>
+            <a:endParaRPr lang="en-US" dirty="0"/>
+          </a:p>
+          <a:p>
+            <a:endParaRPr lang="en-US" dirty="0"/>
+          </a:p>
+        </p:txBody>
+      </p:sp>
+    </p:spTree>
+    <p:extLst>
+      <p:ext uri="{BB962C8B-B14F-4D97-AF65-F5344CB8AC3E}">
+        <p14:creationId xmlns:p14="http://schemas.microsoft.com/office/powerpoint/2010/main" val="3462520646"/>
+      </p:ext>
+    </p:extLst>
+  </p:cSld>
+  <p:clrMapOvr>
+    <a:masterClrMapping/>
+  </p:clrMapOvr>
+</p:sld>
+</file>
+
+<file path=ppt/slides/slide3.xml><?xml version="1.0" encoding="utf-8"?>
+<p:sld xmlns:a="http://schemas.openxmlformats.org/drawingml/2006/main" xmlns:r="http://schemas.openxmlformats.org/officeDocument/2006/relationships" xmlns:p="http://schemas.openxmlformats.org/presentationml/2006/main">
+  <p:cSld>
+    <p:spTree>
+      <p:nvGrpSpPr>
+        <p:cNvPr id="1" name=""/>
+        <p:cNvGrpSpPr/>
+        <p:nvPr/>
+      </p:nvGrpSpPr>
+      <p:grpSpPr>
+        <a:xfrm>
+          <a:off x="0" y="0"/>
+          <a:ext cx="0" cy="0"/>
+          <a:chOff x="0" y="0"/>
+          <a:chExt cx="0" cy="0"/>
+        </a:xfrm>
+      </p:grpSpPr>
+      <p:sp>
+        <p:nvSpPr>
+          <p:cNvPr id="2" name="Title 1">
+            <a:extLst>
+              <a:ext uri="{FF2B5EF4-FFF2-40B4-BE49-F238E27FC236}">
+                <a16:creationId xmlns:a16="http://schemas.microsoft.com/office/drawing/2014/main" id="{074E6DBF-FB88-208D-1078-813B44C1F972}"/>
+              </a:ext>
+            </a:extLst>
+          </p:cNvPr>
+          <p:cNvSpPr>
+            <a:spLocks noGrp="1"/>
+          </p:cNvSpPr>
+          <p:nvPr>
+            <p:ph type="ctrTitle"/>
+          </p:nvPr>
+        </p:nvSpPr>
+        <p:spPr/>
+        <p:txBody>
+          <a:bodyPr/>
+          <a:lstStyle/>
+          <a:p>
+            <a:r>
+              <a:rPr lang="en-US" dirty="0"/>
+              <a:t>Files and </a:t>
+            </a:r>
+            <a:r>
+              <a:rPr lang="en-US" dirty="0" err="1"/>
+              <a:t>Dataframes</a:t>
+            </a:r>
+            <a:endParaRPr lang="en-US" dirty="0"/>
+          </a:p>
+        </p:txBody>
+      </p:sp>
+      <p:sp>
+        <p:nvSpPr>
+          <p:cNvPr id="3" name="Subtitle 2">
+            <a:extLst>
+              <a:ext uri="{FF2B5EF4-FFF2-40B4-BE49-F238E27FC236}">
+                <a16:creationId xmlns:a16="http://schemas.microsoft.com/office/drawing/2014/main" id="{C5833ABB-32E6-D242-C0C4-47A72242A104}"/>
+              </a:ext>
+            </a:extLst>
+          </p:cNvPr>
+          <p:cNvSpPr>
+            <a:spLocks noGrp="1"/>
+          </p:cNvSpPr>
+          <p:nvPr>
+            <p:ph type="subTitle" idx="1"/>
+          </p:nvPr>
+        </p:nvSpPr>
+        <p:spPr/>
+        <p:txBody>
+          <a:bodyPr/>
+          <a:lstStyle/>
+          <a:p>
+            <a:endParaRPr lang="en-US"/>
+          </a:p>
+        </p:txBody>
+      </p:sp>
+    </p:spTree>
+    <p:extLst>
+      <p:ext uri="{BB962C8B-B14F-4D97-AF65-F5344CB8AC3E}">
+        <p14:creationId xmlns:p14="http://schemas.microsoft.com/office/powerpoint/2010/main" val="662495774"/>
+      </p:ext>
+    </p:extLst>
+  </p:cSld>
+  <p:clrMapOvr>
+    <a:masterClrMapping/>
+  </p:clrMapOvr>
+</p:sld>
+</file>
+
+<file path=ppt/slides/slide4.xml><?xml version="1.0" encoding="utf-8"?>
+<p:sld xmlns:a="http://schemas.openxmlformats.org/drawingml/2006/main" xmlns:r="http://schemas.openxmlformats.org/officeDocument/2006/relationships" xmlns:p="http://schemas.openxmlformats.org/presentationml/2006/main">
+  <p:cSld>
+    <p:spTree>
+      <p:nvGrpSpPr>
+        <p:cNvPr id="1" name=""/>
+        <p:cNvGrpSpPr/>
+        <p:nvPr/>
+      </p:nvGrpSpPr>
+      <p:grpSpPr>
+        <a:xfrm>
+          <a:off x="0" y="0"/>
+          <a:ext cx="0" cy="0"/>
+          <a:chOff x="0" y="0"/>
+          <a:chExt cx="0" cy="0"/>
+        </a:xfrm>
+      </p:grpSpPr>
+      <p:sp>
+        <p:nvSpPr>
+          <p:cNvPr id="2" name="Title 1">
+            <a:extLst>
+              <a:ext uri="{FF2B5EF4-FFF2-40B4-BE49-F238E27FC236}">
+                <a16:creationId xmlns:a16="http://schemas.microsoft.com/office/drawing/2014/main" id="{71DEE9F4-4244-83A2-452B-55EC6330A992}"/>
+              </a:ext>
+            </a:extLst>
+          </p:cNvPr>
+          <p:cNvSpPr>
+            <a:spLocks noGrp="1"/>
+          </p:cNvSpPr>
+          <p:nvPr>
+            <p:ph type="title"/>
+          </p:nvPr>
+        </p:nvSpPr>
+        <p:spPr/>
+        <p:txBody>
+          <a:bodyPr/>
+          <a:lstStyle/>
+          <a:p>
+            <a:r>
+              <a:rPr lang="en-US" dirty="0"/>
+              <a:t>Interacting with Local Data</a:t>
+            </a:r>
+          </a:p>
+        </p:txBody>
+      </p:sp>
+      <p:sp>
+        <p:nvSpPr>
+          <p:cNvPr id="3" name="Content Placeholder 2">
+            <a:extLst>
+              <a:ext uri="{FF2B5EF4-FFF2-40B4-BE49-F238E27FC236}">
+                <a16:creationId xmlns:a16="http://schemas.microsoft.com/office/drawing/2014/main" id="{008353FC-041D-72A4-A2E3-B8A1A4B1B3D5}"/>
+              </a:ext>
+            </a:extLst>
+          </p:cNvPr>
+          <p:cNvSpPr>
+            <a:spLocks noGrp="1"/>
+          </p:cNvSpPr>
+          <p:nvPr>
+            <p:ph idx="1"/>
+          </p:nvPr>
+        </p:nvSpPr>
+        <p:spPr>
+          <a:xfrm>
+            <a:off x="1137147" y="1853754"/>
+            <a:ext cx="10268044" cy="4306041"/>
+          </a:xfrm>
+        </p:spPr>
+        <p:txBody>
+          <a:bodyPr>
+            <a:normAutofit lnSpcReduction="10000"/>
+          </a:bodyPr>
+          <a:lstStyle/>
+          <a:p>
+            <a:r>
+              <a:rPr lang="en-US" dirty="0"/>
+              <a:t>Our Python programs normally run within their environment. </a:t>
+            </a:r>
+          </a:p>
+          <a:p>
+            <a:pPr lvl="1"/>
+            <a:r>
+              <a:rPr lang="en-US" dirty="0"/>
+              <a:t>We can “reach out” to interact with the underlying computer. </a:t>
+            </a:r>
+          </a:p>
+          <a:p>
+            <a:r>
+              <a:rPr lang="en-US" dirty="0"/>
+              <a:t>Each operating system provides some API (application programming interface) that offers a way for a “normal” program to interact with an underlying system. </a:t>
+            </a:r>
+          </a:p>
+          <a:p>
+            <a:pPr lvl="1"/>
+            <a:r>
+              <a:rPr lang="en-US" dirty="0"/>
+              <a:t>For programs the load/save stuff, they connect to the API for file access. </a:t>
+            </a:r>
+          </a:p>
+          <a:p>
+            <a:pPr lvl="1"/>
+            <a:r>
+              <a:rPr lang="en-US" dirty="0"/>
+              <a:t>For programs that have a GUI, they connect to the API for keyboard/mouse inputs. </a:t>
+            </a:r>
+          </a:p>
+          <a:p>
+            <a:pPr lvl="1"/>
+            <a:r>
+              <a:rPr lang="en-US" dirty="0"/>
+              <a:t>For programs that use networks, they connect to the API for network access. </a:t>
+            </a:r>
+          </a:p>
+          <a:p>
+            <a:r>
+              <a:rPr lang="en-US" dirty="0"/>
+              <a:t>Each OS provides the implementation, so the details are abstracted away. </a:t>
+            </a:r>
+          </a:p>
+          <a:p>
+            <a:pPr lvl="1"/>
+            <a:r>
+              <a:rPr lang="en-US" dirty="0"/>
+              <a:t>Note: Python is a very “high-level” language, meaning it is detached from the actions a computer actually takes. This allows for it to be more human friendly. </a:t>
+            </a:r>
+          </a:p>
+          <a:p>
+            <a:pPr lvl="1"/>
+            <a:r>
+              <a:rPr lang="en-US" dirty="0"/>
+              <a:t>Other languages (like C) force you to do more work on the details – like manually managing RAM</a:t>
+            </a:r>
+          </a:p>
+        </p:txBody>
+      </p:sp>
+    </p:spTree>
+    <p:extLst>
+      <p:ext uri="{BB962C8B-B14F-4D97-AF65-F5344CB8AC3E}">
+        <p14:creationId xmlns:p14="http://schemas.microsoft.com/office/powerpoint/2010/main" val="2672653705"/>
+      </p:ext>
+    </p:extLst>
+  </p:cSld>
+  <p:clrMapOvr>
+    <a:masterClrMapping/>
+  </p:clrMapOvr>
+</p:sld>
+</file>
+
+<file path=ppt/slides/slide5.xml><?xml version="1.0" encoding="utf-8"?>
+<p:sld xmlns:a="http://schemas.openxmlformats.org/drawingml/2006/main" xmlns:r="http://schemas.openxmlformats.org/officeDocument/2006/relationships" xmlns:p="http://schemas.openxmlformats.org/presentationml/2006/main">
+  <p:cSld>
+    <p:spTree>
+      <p:nvGrpSpPr>
+        <p:cNvPr id="1" name=""/>
+        <p:cNvGrpSpPr/>
+        <p:nvPr/>
+      </p:nvGrpSpPr>
+      <p:grpSpPr>
+        <a:xfrm>
+          <a:off x="0" y="0"/>
+          <a:ext cx="0" cy="0"/>
+          <a:chOff x="0" y="0"/>
+          <a:chExt cx="0" cy="0"/>
+        </a:xfrm>
+      </p:grpSpPr>
+      <p:sp>
+        <p:nvSpPr>
+          <p:cNvPr id="2" name="Title 1">
+            <a:extLst>
+              <a:ext uri="{FF2B5EF4-FFF2-40B4-BE49-F238E27FC236}">
+                <a16:creationId xmlns:a16="http://schemas.microsoft.com/office/drawing/2014/main" id="{AE876C11-782A-1ABD-C2DF-2E14F3B962CD}"/>
+              </a:ext>
+            </a:extLst>
+          </p:cNvPr>
+          <p:cNvSpPr>
+            <a:spLocks noGrp="1"/>
+          </p:cNvSpPr>
+          <p:nvPr>
+            <p:ph type="title"/>
+          </p:nvPr>
+        </p:nvSpPr>
+        <p:spPr/>
+        <p:txBody>
+          <a:bodyPr/>
+          <a:lstStyle/>
+          <a:p>
+            <a:r>
+              <a:rPr lang="en-US" dirty="0"/>
+              <a:t>Ways to Capture Data</a:t>
+            </a:r>
+          </a:p>
+        </p:txBody>
+      </p:sp>
+      <p:sp>
+        <p:nvSpPr>
+          <p:cNvPr id="3" name="Content Placeholder 2">
+            <a:extLst>
+              <a:ext uri="{FF2B5EF4-FFF2-40B4-BE49-F238E27FC236}">
+                <a16:creationId xmlns:a16="http://schemas.microsoft.com/office/drawing/2014/main" id="{8BD868D5-BC5B-B9FC-F38E-5C40D1603486}"/>
+              </a:ext>
+            </a:extLst>
+          </p:cNvPr>
+          <p:cNvSpPr>
+            <a:spLocks noGrp="1"/>
+          </p:cNvSpPr>
+          <p:nvPr>
+            <p:ph idx="1"/>
+          </p:nvPr>
+        </p:nvSpPr>
+        <p:spPr>
+          <a:xfrm>
+            <a:off x="1451579" y="1853754"/>
+            <a:ext cx="9603275" cy="4199727"/>
+          </a:xfrm>
+        </p:spPr>
+        <p:txBody>
+          <a:bodyPr/>
+          <a:lstStyle/>
+          <a:p>
+            <a:r>
+              <a:rPr lang="en-US" dirty="0"/>
+              <a:t>We’ll look at 3 now:</a:t>
+            </a:r>
+          </a:p>
+          <a:p>
+            <a:pPr lvl="1"/>
+            <a:r>
+              <a:rPr lang="en-US" dirty="0"/>
+              <a:t>User input from keyboard. </a:t>
+            </a:r>
+          </a:p>
+          <a:p>
+            <a:pPr lvl="1"/>
+            <a:r>
+              <a:rPr lang="en-US" dirty="0"/>
+              <a:t>Reading and writing from files. </a:t>
+            </a:r>
+          </a:p>
+          <a:p>
+            <a:pPr lvl="1"/>
+            <a:r>
+              <a:rPr lang="en-US" dirty="0"/>
+              <a:t>Reading and writing datasets through data science libraries. </a:t>
+            </a:r>
+          </a:p>
+          <a:p>
+            <a:r>
+              <a:rPr lang="en-US" dirty="0"/>
+              <a:t>Others exist for different filetypes and uses. </a:t>
+            </a:r>
+          </a:p>
+          <a:p>
+            <a:pPr lvl="1"/>
+            <a:r>
+              <a:rPr lang="en-US" dirty="0"/>
+              <a:t>Each generally works the same – aim at target, specify action. </a:t>
+            </a:r>
+          </a:p>
+          <a:p>
+            <a:pPr lvl="1"/>
+            <a:r>
+              <a:rPr lang="en-US" dirty="0"/>
+              <a:t>Usually pretty straightforward. </a:t>
+            </a:r>
+          </a:p>
+        </p:txBody>
+      </p:sp>
+    </p:spTree>
+    <p:extLst>
+      <p:ext uri="{BB962C8B-B14F-4D97-AF65-F5344CB8AC3E}">
+        <p14:creationId xmlns:p14="http://schemas.microsoft.com/office/powerpoint/2010/main" val="3922896318"/>
+      </p:ext>
+    </p:extLst>
+  </p:cSld>
+  <p:clrMapOvr>
+    <a:masterClrMapping/>
+  </p:clrMapOvr>
+</p:sld>
+</file>
+
+<file path=ppt/slides/slide6.xml><?xml version="1.0" encoding="utf-8"?>
+<p:sld xmlns:a="http://schemas.openxmlformats.org/drawingml/2006/main" xmlns:r="http://schemas.openxmlformats.org/officeDocument/2006/relationships" xmlns:p="http://schemas.openxmlformats.org/presentationml/2006/main">
+  <p:cSld>
+    <p:spTree>
+      <p:nvGrpSpPr>
+        <p:cNvPr id="1" name=""/>
+        <p:cNvGrpSpPr/>
+        <p:nvPr/>
+      </p:nvGrpSpPr>
+      <p:grpSpPr>
+        <a:xfrm>
+          <a:off x="0" y="0"/>
+          <a:ext cx="0" cy="0"/>
+          <a:chOff x="0" y="0"/>
+          <a:chExt cx="0" cy="0"/>
+        </a:xfrm>
+      </p:grpSpPr>
+      <p:sp>
+        <p:nvSpPr>
+          <p:cNvPr id="2" name="Title 1">
+            <a:extLst>
+              <a:ext uri="{FF2B5EF4-FFF2-40B4-BE49-F238E27FC236}">
+                <a16:creationId xmlns:a16="http://schemas.microsoft.com/office/drawing/2014/main" id="{B3D496A1-84C6-3103-DBDE-1D8771686355}"/>
+              </a:ext>
+            </a:extLst>
+          </p:cNvPr>
+          <p:cNvSpPr>
+            <a:spLocks noGrp="1"/>
+          </p:cNvSpPr>
+          <p:nvPr>
+            <p:ph type="title"/>
+          </p:nvPr>
+        </p:nvSpPr>
+        <p:spPr/>
+        <p:txBody>
+          <a:bodyPr/>
+          <a:lstStyle/>
+          <a:p>
+            <a:r>
+              <a:rPr lang="en-US" dirty="0"/>
+              <a:t>User Input</a:t>
+            </a:r>
+          </a:p>
+        </p:txBody>
+      </p:sp>
+      <p:sp>
+        <p:nvSpPr>
+          <p:cNvPr id="3" name="Content Placeholder 2">
+            <a:extLst>
+              <a:ext uri="{FF2B5EF4-FFF2-40B4-BE49-F238E27FC236}">
+                <a16:creationId xmlns:a16="http://schemas.microsoft.com/office/drawing/2014/main" id="{8431B2F2-C583-F326-CECE-102575131B81}"/>
+              </a:ext>
+            </a:extLst>
+          </p:cNvPr>
+          <p:cNvSpPr>
+            <a:spLocks noGrp="1"/>
+          </p:cNvSpPr>
+          <p:nvPr>
+            <p:ph idx="1"/>
+          </p:nvPr>
+        </p:nvSpPr>
+        <p:spPr/>
+        <p:txBody>
+          <a:bodyPr/>
+          <a:lstStyle/>
+          <a:p>
+            <a:r>
+              <a:rPr lang="en-US" dirty="0"/>
+              <a:t>When running code on a command line, we can get user input directly. </a:t>
+            </a:r>
+          </a:p>
+          <a:p>
+            <a:r>
+              <a:rPr lang="en-US" dirty="0"/>
+              <a:t>When using notebooks we don’t have the direct access to user input. </a:t>
+            </a:r>
+          </a:p>
+          <a:p>
+            <a:r>
+              <a:rPr lang="en-US" dirty="0"/>
+              <a:t>We can use the input() function to request user input. </a:t>
+            </a:r>
+          </a:p>
+          <a:p>
+            <a:pPr lvl="1"/>
+            <a:r>
+              <a:rPr lang="en-US" dirty="0"/>
+              <a:t>In VS Code, the text box at the top will open for input. </a:t>
+            </a:r>
+          </a:p>
+          <a:p>
+            <a:pPr lvl="1"/>
+            <a:r>
+              <a:rPr lang="en-US" dirty="0"/>
+              <a:t>After hitting enter, that value will be captured, likely into a variable. </a:t>
+            </a:r>
+          </a:p>
+        </p:txBody>
+      </p:sp>
+    </p:spTree>
+    <p:extLst>
+      <p:ext uri="{BB962C8B-B14F-4D97-AF65-F5344CB8AC3E}">
+        <p14:creationId xmlns:p14="http://schemas.microsoft.com/office/powerpoint/2010/main" val="3558061033"/>
+      </p:ext>
+    </p:extLst>
+  </p:cSld>
+  <p:clrMapOvr>
+    <a:masterClrMapping/>
+  </p:clrMapOvr>
+</p:sld>
+</file>
+
+<file path=ppt/slides/slide7.xml><?xml version="1.0" encoding="utf-8"?>
+<p:sld xmlns:a="http://schemas.openxmlformats.org/drawingml/2006/main" xmlns:r="http://schemas.openxmlformats.org/officeDocument/2006/relationships" xmlns:p="http://schemas.openxmlformats.org/presentationml/2006/main">
+  <p:cSld>
+    <p:spTree>
+      <p:nvGrpSpPr>
+        <p:cNvPr id="1" name=""/>
+        <p:cNvGrpSpPr/>
+        <p:nvPr/>
+      </p:nvGrpSpPr>
+      <p:grpSpPr>
+        <a:xfrm>
+          <a:off x="0" y="0"/>
+          <a:ext cx="0" cy="0"/>
+          <a:chOff x="0" y="0"/>
+          <a:chExt cx="0" cy="0"/>
+        </a:xfrm>
+      </p:grpSpPr>
+      <p:sp>
+        <p:nvSpPr>
+          <p:cNvPr id="2" name="Title 1">
+            <a:extLst>
+              <a:ext uri="{FF2B5EF4-FFF2-40B4-BE49-F238E27FC236}">
+                <a16:creationId xmlns:a16="http://schemas.microsoft.com/office/drawing/2014/main" id="{A1BC0840-4423-D98B-44BB-8F504E14EC67}"/>
+              </a:ext>
+            </a:extLst>
+          </p:cNvPr>
+          <p:cNvSpPr>
+            <a:spLocks noGrp="1"/>
+          </p:cNvSpPr>
+          <p:nvPr>
+            <p:ph type="title"/>
+          </p:nvPr>
+        </p:nvSpPr>
+        <p:spPr/>
+        <p:txBody>
+          <a:bodyPr/>
+          <a:lstStyle/>
+          <a:p>
+            <a:r>
+              <a:rPr lang="en-US" dirty="0"/>
+              <a:t>File Access</a:t>
+            </a:r>
+          </a:p>
+        </p:txBody>
+      </p:sp>
+      <p:sp>
+        <p:nvSpPr>
+          <p:cNvPr id="3" name="Content Placeholder 2">
+            <a:extLst>
+              <a:ext uri="{FF2B5EF4-FFF2-40B4-BE49-F238E27FC236}">
+                <a16:creationId xmlns:a16="http://schemas.microsoft.com/office/drawing/2014/main" id="{B29B55C0-86FC-3142-7653-17DC12804F40}"/>
+              </a:ext>
+            </a:extLst>
+          </p:cNvPr>
+          <p:cNvSpPr>
+            <a:spLocks noGrp="1"/>
+          </p:cNvSpPr>
+          <p:nvPr>
+            <p:ph idx="1"/>
+          </p:nvPr>
+        </p:nvSpPr>
+        <p:spPr>
+          <a:xfrm>
+            <a:off x="1451579" y="1853754"/>
+            <a:ext cx="9603275" cy="4199727"/>
+          </a:xfrm>
+        </p:spPr>
+        <p:txBody>
+          <a:bodyPr/>
+          <a:lstStyle/>
+          <a:p>
+            <a:r>
+              <a:rPr lang="en-US" dirty="0"/>
+              <a:t>We can also use a library to access files from the hard drive. </a:t>
+            </a:r>
+          </a:p>
+          <a:p>
+            <a:r>
+              <a:rPr lang="en-US" dirty="0"/>
+              <a:t>Many libraries can do this. </a:t>
+            </a:r>
+          </a:p>
+          <a:p>
+            <a:pPr lvl="1"/>
+            <a:r>
+              <a:rPr lang="en-US" dirty="0"/>
+              <a:t>The “base” library is “</a:t>
+            </a:r>
+            <a:r>
+              <a:rPr lang="en-US" dirty="0" err="1"/>
+              <a:t>os</a:t>
+            </a:r>
+            <a:r>
+              <a:rPr lang="en-US" dirty="0"/>
+              <a:t>” which provides a bunch of computer-related functions. </a:t>
+            </a:r>
+          </a:p>
+          <a:p>
+            <a:pPr lvl="1"/>
+            <a:r>
+              <a:rPr lang="en-US" dirty="0"/>
+              <a:t>This is the ‘lowest level’ library we’ll see to access files. </a:t>
+            </a:r>
+          </a:p>
+          <a:p>
+            <a:r>
+              <a:rPr lang="en-US" dirty="0"/>
+              <a:t>We need to use some library to access files.</a:t>
+            </a:r>
+          </a:p>
+          <a:p>
+            <a:pPr lvl="1"/>
+            <a:r>
+              <a:rPr lang="en-US" dirty="0"/>
+              <a:t>The library we use to do the file access will call on a function provided by the OS itself, and request that the OS do something, like provide a file. </a:t>
+            </a:r>
+          </a:p>
+          <a:p>
+            <a:r>
+              <a:rPr lang="en-US" dirty="0"/>
+              <a:t>OS allows us to not care about the super detailed mechanics of loading a file. </a:t>
+            </a:r>
+          </a:p>
+          <a:p>
+            <a:r>
+              <a:rPr lang="en-US" dirty="0"/>
+              <a:t>Other libraries make it more abstract – aim at file and hit ‘go’. </a:t>
+            </a:r>
+          </a:p>
+        </p:txBody>
+      </p:sp>
+    </p:spTree>
+    <p:extLst>
+      <p:ext uri="{BB962C8B-B14F-4D97-AF65-F5344CB8AC3E}">
+        <p14:creationId xmlns:p14="http://schemas.microsoft.com/office/powerpoint/2010/main" val="3807653882"/>
+      </p:ext>
+    </p:extLst>
+  </p:cSld>
+  <p:clrMapOvr>
+    <a:masterClrMapping/>
+  </p:clrMapOvr>
+</p:sld>
+</file>
+
+<file path=ppt/slides/slide8.xml><?xml version="1.0" encoding="utf-8"?>
+<p:sld xmlns:a="http://schemas.openxmlformats.org/drawingml/2006/main" xmlns:r="http://schemas.openxmlformats.org/officeDocument/2006/relationships" xmlns:p="http://schemas.openxmlformats.org/presentationml/2006/main">
+  <p:cSld>
+    <p:spTree>
+      <p:nvGrpSpPr>
+        <p:cNvPr id="1" name=""/>
+        <p:cNvGrpSpPr/>
+        <p:nvPr/>
+      </p:nvGrpSpPr>
+      <p:grpSpPr>
+        <a:xfrm>
+          <a:off x="0" y="0"/>
+          <a:ext cx="0" cy="0"/>
+          <a:chOff x="0" y="0"/>
+          <a:chExt cx="0" cy="0"/>
+        </a:xfrm>
+      </p:grpSpPr>
+      <p:sp>
+        <p:nvSpPr>
+          <p:cNvPr id="2" name="Title 1">
+            <a:extLst>
+              <a:ext uri="{FF2B5EF4-FFF2-40B4-BE49-F238E27FC236}">
+                <a16:creationId xmlns:a16="http://schemas.microsoft.com/office/drawing/2014/main" id="{657A0FC1-0C1B-BA9C-B6F1-166740EA9958}"/>
+              </a:ext>
+            </a:extLst>
+          </p:cNvPr>
+          <p:cNvSpPr>
+            <a:spLocks noGrp="1"/>
+          </p:cNvSpPr>
+          <p:nvPr>
+            <p:ph type="title"/>
+          </p:nvPr>
+        </p:nvSpPr>
+        <p:spPr/>
+        <p:txBody>
+          <a:bodyPr/>
+          <a:lstStyle/>
+          <a:p>
+            <a:endParaRPr lang="en-US"/>
+          </a:p>
+        </p:txBody>
+      </p:sp>
+      <p:sp>
+        <p:nvSpPr>
+          <p:cNvPr id="3" name="Content Placeholder 2">
+            <a:extLst>
+              <a:ext uri="{FF2B5EF4-FFF2-40B4-BE49-F238E27FC236}">
+                <a16:creationId xmlns:a16="http://schemas.microsoft.com/office/drawing/2014/main" id="{F5508913-34D2-B01A-D134-256B08C73D77}"/>
+              </a:ext>
+            </a:extLst>
+          </p:cNvPr>
+          <p:cNvSpPr>
+            <a:spLocks noGrp="1"/>
+          </p:cNvSpPr>
+          <p:nvPr>
+            <p:ph idx="1"/>
+          </p:nvPr>
+        </p:nvSpPr>
+        <p:spPr/>
+        <p:txBody>
+          <a:bodyPr/>
+          <a:lstStyle/>
+          <a:p>
+            <a:endParaRPr lang="en-US"/>
+          </a:p>
+        </p:txBody>
+      </p:sp>
+      <p:pic>
+        <p:nvPicPr>
+          <p:cNvPr id="2050" name="Picture 2" descr="Open a File in Python – PYnative">
+            <a:extLst>
+              <a:ext uri="{FF2B5EF4-FFF2-40B4-BE49-F238E27FC236}">
+                <a16:creationId xmlns:a16="http://schemas.microsoft.com/office/drawing/2014/main" id="{A569A150-5F90-1D60-B7CC-1FE39ACB79D5}"/>
+              </a:ext>
+            </a:extLst>
+          </p:cNvPr>
+          <p:cNvPicPr>
+            <a:picLocks noChangeAspect="1" noChangeArrowheads="1"/>
+          </p:cNvPicPr>
+          <p:nvPr/>
+        </p:nvPicPr>
+        <p:blipFill>
+          <a:blip r:embed="rId2">
+            <a:extLst>
+              <a:ext uri="{28A0092B-C50C-407E-A947-70E740481C1C}">
+                <a14:useLocalDpi xmlns:a14="http://schemas.microsoft.com/office/drawing/2010/main" val="0"/>
+              </a:ext>
+            </a:extLst>
+          </a:blip>
+          <a:srcRect/>
+          <a:stretch>
+            <a:fillRect/>
+          </a:stretch>
+        </p:blipFill>
+        <p:spPr bwMode="auto">
+          <a:xfrm>
+            <a:off x="0" y="217488"/>
+            <a:ext cx="12192000" cy="6421437"/>
+          </a:xfrm>
+          <a:prstGeom prst="rect">
+            <a:avLst/>
+          </a:prstGeom>
+          <a:noFill/>
+          <a:extLst>
+            <a:ext uri="{909E8E84-426E-40DD-AFC4-6F175D3DCCD1}">
+              <a14:hiddenFill xmlns:a14="http://schemas.microsoft.com/office/drawing/2010/main">
+                <a:solidFill>
+                  <a:srgbClr val="FFFFFF"/>
+                </a:solidFill>
+              </a14:hiddenFill>
+            </a:ext>
+          </a:extLst>
+        </p:spPr>
+      </p:pic>
+    </p:spTree>
+    <p:extLst>
+      <p:ext uri="{BB962C8B-B14F-4D97-AF65-F5344CB8AC3E}">
+        <p14:creationId xmlns:p14="http://schemas.microsoft.com/office/powerpoint/2010/main" val="2057968776"/>
+      </p:ext>
+    </p:extLst>
+  </p:cSld>
+  <p:clrMapOvr>
+    <a:masterClrMapping/>
+  </p:clrMapOvr>
+</p:sld>
+</file>
+
+<file path=ppt/slides/slide9.xml><?xml version="1.0" encoding="utf-8"?>
+<p:sld xmlns:a="http://schemas.openxmlformats.org/drawingml/2006/main" xmlns:r="http://schemas.openxmlformats.org/officeDocument/2006/relationships" xmlns:p="http://schemas.openxmlformats.org/presentationml/2006/main">
+  <p:cSld>
+    <p:bg>
+      <p:bgPr>
+        <a:gradFill rotWithShape="1">
+          <a:gsLst>
+            <a:gs pos="0">
+              <a:schemeClr val="bg2">
+                <a:tint val="94000"/>
+                <a:satMod val="80000"/>
+                <a:lumMod val="106000"/>
+              </a:schemeClr>
+            </a:gs>
+            <a:gs pos="100000">
+              <a:schemeClr val="bg2">
+                <a:shade val="80000"/>
+              </a:schemeClr>
+            </a:gs>
+          </a:gsLst>
+          <a:path path="circle">
+            <a:fillToRect l="43000" r="43000" b="100000"/>
+          </a:path>
+        </a:gradFill>
+        <a:effectLst/>
+      </p:bgPr>
+    </p:bg>
+    <p:spTree>
+      <p:nvGrpSpPr>
+        <p:cNvPr id="1" name=""/>
+        <p:cNvGrpSpPr/>
+        <p:nvPr/>
+      </p:nvGrpSpPr>
+      <p:grpSpPr>
+        <a:xfrm>
+          <a:off x="0" y="0"/>
+          <a:ext cx="0" cy="0"/>
+          <a:chOff x="0" y="0"/>
+          <a:chExt cx="0" cy="0"/>
+        </a:xfrm>
+      </p:grpSpPr>
+      <p:sp>
+        <p:nvSpPr>
+          <p:cNvPr id="2" name="Title 1">
+            <a:extLst>
+              <a:ext uri="{FF2B5EF4-FFF2-40B4-BE49-F238E27FC236}">
+                <a16:creationId xmlns:a16="http://schemas.microsoft.com/office/drawing/2014/main" id="{DF72DE08-360B-00C2-FBDE-AFA59D5F3356}"/>
+              </a:ext>
+            </a:extLst>
+          </p:cNvPr>
+          <p:cNvSpPr>
+            <a:spLocks noGrp="1"/>
+          </p:cNvSpPr>
+          <p:nvPr>
+            <p:ph type="title"/>
+          </p:nvPr>
+        </p:nvSpPr>
+        <p:spPr>
+          <a:xfrm>
+            <a:off x="1451579" y="804519"/>
+            <a:ext cx="9603275" cy="1049235"/>
+          </a:xfrm>
+        </p:spPr>
+        <p:txBody>
+          <a:bodyPr>
+            <a:normAutofit/>
+          </a:bodyPr>
+          <a:lstStyle/>
+          <a:p>
+            <a:r>
+              <a:rPr lang="en-US" dirty="0"/>
+              <a:t>Access Modes</a:t>
+            </a:r>
+          </a:p>
+        </p:txBody>
+      </p:sp>
+      <p:sp>
+        <p:nvSpPr>
+          <p:cNvPr id="3" name="Content Placeholder 2">
+            <a:extLst>
+              <a:ext uri="{FF2B5EF4-FFF2-40B4-BE49-F238E27FC236}">
+                <a16:creationId xmlns:a16="http://schemas.microsoft.com/office/drawing/2014/main" id="{9EBDD7E7-3611-13A1-5E07-5180707529EF}"/>
+              </a:ext>
+            </a:extLst>
+          </p:cNvPr>
+          <p:cNvSpPr>
+            <a:spLocks noGrp="1"/>
+          </p:cNvSpPr>
+          <p:nvPr>
+            <p:ph idx="1"/>
+          </p:nvPr>
+        </p:nvSpPr>
+        <p:spPr>
+          <a:xfrm>
+            <a:off x="1451579" y="2015734"/>
+            <a:ext cx="3806221" cy="4037747"/>
+          </a:xfrm>
+        </p:spPr>
+        <p:txBody>
+          <a:bodyPr>
+            <a:normAutofit/>
+          </a:bodyPr>
+          <a:lstStyle/>
+          <a:p>
+            <a:r>
+              <a:rPr lang="en-US" dirty="0"/>
+              <a:t>We can open a file in different access modes. </a:t>
+            </a:r>
+          </a:p>
+          <a:p>
+            <a:r>
+              <a:rPr lang="en-US" dirty="0"/>
+              <a:t>Each allows for different abilities to change a file, and different default behavior. </a:t>
+            </a:r>
+          </a:p>
+          <a:p>
+            <a:r>
+              <a:rPr lang="en-US" dirty="0"/>
+              <a:t>Recommended to use the minimum needed permission. </a:t>
+            </a:r>
+          </a:p>
+          <a:p>
+            <a:pPr lvl="1"/>
+            <a:r>
+              <a:rPr lang="en-US" dirty="0"/>
+              <a:t>E.g. It is safer to only allow write if it is required. </a:t>
+            </a:r>
+          </a:p>
+          <a:p>
+            <a:endParaRPr lang="en-US" dirty="0"/>
+          </a:p>
+        </p:txBody>
+      </p:sp>
+      <p:pic>
+        <p:nvPicPr>
+          <p:cNvPr id="4" name="Picture 3">
+            <a:extLst>
+              <a:ext uri="{FF2B5EF4-FFF2-40B4-BE49-F238E27FC236}">
+                <a16:creationId xmlns:a16="http://schemas.microsoft.com/office/drawing/2014/main" id="{734CFC63-3015-AD38-061A-0EE589779D21}"/>
+              </a:ext>
+            </a:extLst>
+          </p:cNvPr>
+          <p:cNvPicPr>
+            <a:picLocks noChangeAspect="1"/>
+          </p:cNvPicPr>
+          <p:nvPr/>
+        </p:nvPicPr>
+        <p:blipFill>
+          <a:blip r:embed="rId2"/>
+          <a:stretch>
+            <a:fillRect/>
+          </a:stretch>
+        </p:blipFill>
+        <p:spPr>
+          <a:xfrm>
+            <a:off x="5257800" y="1177023"/>
+            <a:ext cx="6928023" cy="5680978"/>
+          </a:xfrm>
+          <a:prstGeom prst="rect">
+            <a:avLst/>
+          </a:prstGeom>
+        </p:spPr>
+      </p:pic>
+    </p:spTree>
+    <p:extLst>
+      <p:ext uri="{BB962C8B-B14F-4D97-AF65-F5344CB8AC3E}">
+        <p14:creationId xmlns:p14="http://schemas.microsoft.com/office/powerpoint/2010/main" val="3886054619"/>
       </p:ext>
     </p:extLst>
   </p:cSld>

--- a/reference_material/slides/005_file_access.pptx
+++ b/reference_material/slides/005_file_access.pptx
@@ -5848,11 +5848,18 @@
             <a:pPr lvl="1"/>
             <a:r>
               <a:rPr lang="en-US" dirty="0"/>
-              <a:t>It’s one thing, so it isn’t comprehensive, </a:t>
+              <a:t>It’s one thing, so it isn’t comprehensive, but representative. </a:t>
+            </a:r>
+          </a:p>
+          <a:p>
+            <a:pPr lvl="1"/>
+            <a:r>
+              <a:rPr lang="en-US" dirty="0"/>
+              <a:t>Focus on testing your results, that’s a </a:t>
             </a:r>
             <a:r>
               <a:rPr lang="en-US"/>
-              <a:t>but representative. </a:t>
+              <a:t>bigger challenge. </a:t>
             </a:r>
             <a:endParaRPr lang="en-US" dirty="0"/>
           </a:p>

--- a/reference_material/slides/005_file_access.pptx
+++ b/reference_material/slides/005_file_access.pptx
@@ -3735,15 +3735,13 @@
             <a:pPr lvl="1"/>
             <a:r>
               <a:rPr lang="en-US" dirty="0"/>
-              <a:t>Objects and classes, part 1. </a:t>
-            </a:r>
-          </a:p>
-          <a:p>
-            <a:pPr lvl="1"/>
-            <a:r>
-              <a:rPr lang="en-US" dirty="0"/>
-              <a:t>Work/question time (lab 1). </a:t>
-            </a:r>
+              <a:t>Objects, part 1 – if you all feel ok. Maybe theory today, code next. (This is the part where I think things really tie </a:t>
+            </a:r>
+            <a:r>
+              <a:rPr lang="en-US"/>
+              <a:t>together more). </a:t>
+            </a:r>
+            <a:endParaRPr lang="en-US" dirty="0"/>
           </a:p>
           <a:p>
             <a:r>
@@ -5855,19 +5853,76 @@
             <a:pPr lvl="1"/>
             <a:r>
               <a:rPr lang="en-US" dirty="0"/>
-              <a:t>Focus on testing your results, that’s a </a:t>
-            </a:r>
-            <a:r>
-              <a:rPr lang="en-US"/>
-              <a:t>bigger challenge. </a:t>
-            </a:r>
-            <a:endParaRPr lang="en-US" dirty="0"/>
-          </a:p>
-          <a:p>
-            <a:endParaRPr lang="en-US" dirty="0"/>
-          </a:p>
-        </p:txBody>
-      </p:sp>
+              <a:t>Focus on testing your results, that’s a bigger challenge. </a:t>
+            </a:r>
+          </a:p>
+          <a:p>
+            <a:r>
+              <a:rPr lang="en-US" dirty="0"/>
+              <a:t>Labs are generally pretty easy, scores are good at a glance. </a:t>
+            </a:r>
+          </a:p>
+          <a:p>
+            <a:pPr lvl="1"/>
+            <a:r>
+              <a:rPr lang="en-US" dirty="0"/>
+              <a:t>There are a couple of people who need to do the pull-request thing (I can’t mass-force it). </a:t>
+            </a:r>
+          </a:p>
+          <a:p>
+            <a:pPr lvl="1"/>
+            <a:r>
+              <a:rPr lang="en-US" dirty="0"/>
+              <a:t>Click the ‘sync’ link, follow links… </a:t>
+            </a:r>
+          </a:p>
+        </p:txBody>
+      </p:sp>
+      <p:pic>
+        <p:nvPicPr>
+          <p:cNvPr id="5122" name="Picture 2" descr="Sync a GitHub Repo: How To Ensure Your GitHub Fork Is Up To Date | Earth  Data Science - Earth Lab">
+            <a:extLst>
+              <a:ext uri="{FF2B5EF4-FFF2-40B4-BE49-F238E27FC236}">
+                <a16:creationId xmlns:a16="http://schemas.microsoft.com/office/drawing/2014/main" id="{C356DC43-4CD9-2DC5-742A-D46F9F381590}"/>
+              </a:ext>
+            </a:extLst>
+          </p:cNvPr>
+          <p:cNvPicPr>
+            <a:picLocks noChangeAspect="1" noChangeArrowheads="1"/>
+          </p:cNvPicPr>
+          <p:nvPr/>
+        </p:nvPicPr>
+        <p:blipFill rotWithShape="1">
+          <a:blip r:embed="rId2">
+            <a:extLst>
+              <a:ext uri="{28A0092B-C50C-407E-A947-70E740481C1C}">
+                <a14:useLocalDpi xmlns:a14="http://schemas.microsoft.com/office/drawing/2010/main" val="0"/>
+              </a:ext>
+            </a:extLst>
+          </a:blip>
+          <a:srcRect t="41946" r="25364" b="13973"/>
+          <a:stretch/>
+        </p:blipFill>
+        <p:spPr bwMode="auto">
+          <a:xfrm>
+            <a:off x="5537200" y="5050077"/>
+            <a:ext cx="6654800" cy="1750774"/>
+          </a:xfrm>
+          <a:prstGeom prst="rect">
+            <a:avLst/>
+          </a:prstGeom>
+          <a:noFill/>
+          <a:extLst>
+            <a:ext uri="{909E8E84-426E-40DD-AFC4-6F175D3DCCD1}">
+              <a14:hiddenFill xmlns:a14="http://schemas.microsoft.com/office/drawing/2010/main">
+                <a:solidFill>
+                  <a:srgbClr val="FFFFFF"/>
+                </a:solidFill>
+              </a14:hiddenFill>
+            </a:ext>
+          </a:extLst>
+        </p:spPr>
+      </p:pic>
     </p:spTree>
     <p:extLst>
       <p:ext uri="{BB962C8B-B14F-4D97-AF65-F5344CB8AC3E}">

--- a/reference_material/slides/005_file_access.pptx
+++ b/reference_material/slides/005_file_access.pptx
@@ -3689,8 +3689,8 @@
         </p:nvSpPr>
         <p:spPr>
           <a:xfrm>
-            <a:off x="1451579" y="1926566"/>
-            <a:ext cx="9603275" cy="3539779"/>
+            <a:off x="1451579" y="1926565"/>
+            <a:ext cx="9603275" cy="4126915"/>
           </a:xfrm>
         </p:spPr>
         <p:txBody>
@@ -3721,8 +3721,13 @@
             <a:pPr lvl="2"/>
             <a:r>
               <a:rPr lang="en-US" dirty="0"/>
-              <a:t>This stuff is easy – minimal concepts, mostly just a tool. </a:t>
-            </a:r>
+              <a:t>This stuff is easy – minimal concepts, mostly </a:t>
+            </a:r>
+            <a:r>
+              <a:rPr lang="en-US"/>
+              <a:t>just tools. </a:t>
+            </a:r>
+            <a:endParaRPr lang="en-US" dirty="0"/>
           </a:p>
           <a:p>
             <a:pPr lvl="2"/>
@@ -3735,18 +3740,27 @@
             <a:pPr lvl="1"/>
             <a:r>
               <a:rPr lang="en-US" dirty="0"/>
-              <a:t>Objects, part 1 – if you all feel ok. Maybe theory today, code next. (This is the part where I think things really tie </a:t>
-            </a:r>
-            <a:r>
-              <a:rPr lang="en-US"/>
-              <a:t>together more). </a:t>
-            </a:r>
-            <a:endParaRPr lang="en-US" dirty="0"/>
-          </a:p>
-          <a:p>
-            <a:r>
-              <a:rPr lang="en-US" dirty="0"/>
-              <a:t>Notes:</a:t>
+              <a:t>Objects, part 1 – if you all feel ok. Maybe theory today, code next. (This is the part where I think things really tie together more). </a:t>
+            </a:r>
+          </a:p>
+          <a:p>
+            <a:r>
+              <a:rPr lang="en-US" dirty="0"/>
+              <a:t>Lab Stuff:</a:t>
+            </a:r>
+          </a:p>
+          <a:p>
+            <a:pPr lvl="1"/>
+            <a:r>
+              <a:rPr lang="en-US" dirty="0"/>
+              <a:t>If you haven’t, do the update (Sync link) to accept the pull request. </a:t>
+            </a:r>
+          </a:p>
+          <a:p>
+            <a:pPr lvl="1"/>
+            <a:r>
+              <a:rPr lang="en-US" dirty="0"/>
+              <a:t>If something didn’t work out in the submission stuff, we need to sort it on this one. </a:t>
             </a:r>
           </a:p>
         </p:txBody>
